--- a/otel-ppt/2024-06-18.pptx
+++ b/otel-ppt/2024-06-18.pptx
@@ -221,7 +221,7 @@
           <a:p>
             <a:fld id="{D62FB7CB-A6F2-4CC7-8F40-B26ED59EB52F}" type="datetimeFigureOut">
               <a:rPr lang="ko-KR" altLang="en-US" smtClean="0"/>
-              <a:t>2024-06-30</a:t>
+              <a:t>2024-07-05</a:t>
             </a:fld>
             <a:endParaRPr lang="ko-KR" altLang="en-US"/>
           </a:p>
@@ -678,7 +678,7 @@
           <p:cNvPr id="2" name="제목 1">
             <a:extLst>
               <a:ext uri="{FF2B5EF4-FFF2-40B4-BE49-F238E27FC236}">
-                <a16:creationId xmlns:a16="http://schemas.microsoft.com/office/drawing/2014/main" xmlns="" id="{7C2168E0-79CC-5362-85A9-F72C9588B546}"/>
+                <a16:creationId xmlns="" xmlns:a16="http://schemas.microsoft.com/office/drawing/2014/main" id="{7C2168E0-79CC-5362-85A9-F72C9588B546}"/>
               </a:ext>
             </a:extLst>
           </p:cNvPr>
@@ -715,7 +715,7 @@
           <p:cNvPr id="3" name="부제목 2">
             <a:extLst>
               <a:ext uri="{FF2B5EF4-FFF2-40B4-BE49-F238E27FC236}">
-                <a16:creationId xmlns:a16="http://schemas.microsoft.com/office/drawing/2014/main" xmlns="" id="{10449D35-0808-D47F-69BB-B63D40F5A675}"/>
+                <a16:creationId xmlns="" xmlns:a16="http://schemas.microsoft.com/office/drawing/2014/main" id="{10449D35-0808-D47F-69BB-B63D40F5A675}"/>
               </a:ext>
             </a:extLst>
           </p:cNvPr>
@@ -785,7 +785,7 @@
           <p:cNvPr id="4" name="날짜 개체 틀 3">
             <a:extLst>
               <a:ext uri="{FF2B5EF4-FFF2-40B4-BE49-F238E27FC236}">
-                <a16:creationId xmlns:a16="http://schemas.microsoft.com/office/drawing/2014/main" xmlns="" id="{429F02AD-DA48-9FD8-465E-0DC278D93DCF}"/>
+                <a16:creationId xmlns="" xmlns:a16="http://schemas.microsoft.com/office/drawing/2014/main" id="{429F02AD-DA48-9FD8-465E-0DC278D93DCF}"/>
               </a:ext>
             </a:extLst>
           </p:cNvPr>
@@ -803,7 +803,7 @@
           <a:p>
             <a:fld id="{E2A38277-ABB5-4E4F-80E1-8DBDF3CCD645}" type="datetimeFigureOut">
               <a:rPr lang="ko-KR" altLang="en-US" smtClean="0"/>
-              <a:t>2024-06-30</a:t>
+              <a:t>2024-07-05</a:t>
             </a:fld>
             <a:endParaRPr lang="ko-KR" altLang="en-US"/>
           </a:p>
@@ -814,7 +814,7 @@
           <p:cNvPr id="5" name="바닥글 개체 틀 4">
             <a:extLst>
               <a:ext uri="{FF2B5EF4-FFF2-40B4-BE49-F238E27FC236}">
-                <a16:creationId xmlns:a16="http://schemas.microsoft.com/office/drawing/2014/main" xmlns="" id="{83E5E520-77A6-FF26-D236-A21F02EA2B98}"/>
+                <a16:creationId xmlns="" xmlns:a16="http://schemas.microsoft.com/office/drawing/2014/main" id="{83E5E520-77A6-FF26-D236-A21F02EA2B98}"/>
               </a:ext>
             </a:extLst>
           </p:cNvPr>
@@ -839,7 +839,7 @@
           <p:cNvPr id="6" name="슬라이드 번호 개체 틀 5">
             <a:extLst>
               <a:ext uri="{FF2B5EF4-FFF2-40B4-BE49-F238E27FC236}">
-                <a16:creationId xmlns:a16="http://schemas.microsoft.com/office/drawing/2014/main" xmlns="" id="{7CE6BE85-1225-9869-9E92-9BD6370BF2C9}"/>
+                <a16:creationId xmlns="" xmlns:a16="http://schemas.microsoft.com/office/drawing/2014/main" id="{7CE6BE85-1225-9869-9E92-9BD6370BF2C9}"/>
               </a:ext>
             </a:extLst>
           </p:cNvPr>
@@ -898,7 +898,7 @@
           <p:cNvPr id="2" name="제목 1">
             <a:extLst>
               <a:ext uri="{FF2B5EF4-FFF2-40B4-BE49-F238E27FC236}">
-                <a16:creationId xmlns:a16="http://schemas.microsoft.com/office/drawing/2014/main" xmlns="" id="{3286C7C1-9D49-28C3-4CE0-DCDFEA912BF5}"/>
+                <a16:creationId xmlns="" xmlns:a16="http://schemas.microsoft.com/office/drawing/2014/main" id="{3286C7C1-9D49-28C3-4CE0-DCDFEA912BF5}"/>
               </a:ext>
             </a:extLst>
           </p:cNvPr>
@@ -926,7 +926,7 @@
           <p:cNvPr id="3" name="세로 텍스트 개체 틀 2">
             <a:extLst>
               <a:ext uri="{FF2B5EF4-FFF2-40B4-BE49-F238E27FC236}">
-                <a16:creationId xmlns:a16="http://schemas.microsoft.com/office/drawing/2014/main" xmlns="" id="{4A2DC9A1-2C94-8909-A1F7-89B6B50BA7E8}"/>
+                <a16:creationId xmlns="" xmlns:a16="http://schemas.microsoft.com/office/drawing/2014/main" id="{4A2DC9A1-2C94-8909-A1F7-89B6B50BA7E8}"/>
               </a:ext>
             </a:extLst>
           </p:cNvPr>
@@ -983,7 +983,7 @@
           <p:cNvPr id="4" name="날짜 개체 틀 3">
             <a:extLst>
               <a:ext uri="{FF2B5EF4-FFF2-40B4-BE49-F238E27FC236}">
-                <a16:creationId xmlns:a16="http://schemas.microsoft.com/office/drawing/2014/main" xmlns="" id="{D2855CFB-D93F-C61F-3061-B10AE5A071DF}"/>
+                <a16:creationId xmlns="" xmlns:a16="http://schemas.microsoft.com/office/drawing/2014/main" id="{D2855CFB-D93F-C61F-3061-B10AE5A071DF}"/>
               </a:ext>
             </a:extLst>
           </p:cNvPr>
@@ -1001,7 +1001,7 @@
           <a:p>
             <a:fld id="{E2A38277-ABB5-4E4F-80E1-8DBDF3CCD645}" type="datetimeFigureOut">
               <a:rPr lang="ko-KR" altLang="en-US" smtClean="0"/>
-              <a:t>2024-06-30</a:t>
+              <a:t>2024-07-05</a:t>
             </a:fld>
             <a:endParaRPr lang="ko-KR" altLang="en-US"/>
           </a:p>
@@ -1012,7 +1012,7 @@
           <p:cNvPr id="5" name="바닥글 개체 틀 4">
             <a:extLst>
               <a:ext uri="{FF2B5EF4-FFF2-40B4-BE49-F238E27FC236}">
-                <a16:creationId xmlns:a16="http://schemas.microsoft.com/office/drawing/2014/main" xmlns="" id="{B6637256-4890-26C4-0818-44BDA4E2228F}"/>
+                <a16:creationId xmlns="" xmlns:a16="http://schemas.microsoft.com/office/drawing/2014/main" id="{B6637256-4890-26C4-0818-44BDA4E2228F}"/>
               </a:ext>
             </a:extLst>
           </p:cNvPr>
@@ -1037,7 +1037,7 @@
           <p:cNvPr id="6" name="슬라이드 번호 개체 틀 5">
             <a:extLst>
               <a:ext uri="{FF2B5EF4-FFF2-40B4-BE49-F238E27FC236}">
-                <a16:creationId xmlns:a16="http://schemas.microsoft.com/office/drawing/2014/main" xmlns="" id="{BBD36591-FD1F-2BE0-8B30-841C57B6ACF0}"/>
+                <a16:creationId xmlns="" xmlns:a16="http://schemas.microsoft.com/office/drawing/2014/main" id="{BBD36591-FD1F-2BE0-8B30-841C57B6ACF0}"/>
               </a:ext>
             </a:extLst>
           </p:cNvPr>
@@ -1096,7 +1096,7 @@
           <p:cNvPr id="2" name="세로 제목 1">
             <a:extLst>
               <a:ext uri="{FF2B5EF4-FFF2-40B4-BE49-F238E27FC236}">
-                <a16:creationId xmlns:a16="http://schemas.microsoft.com/office/drawing/2014/main" xmlns="" id="{E5A4022A-E762-95E8-4C91-BFCA3CFDBCC9}"/>
+                <a16:creationId xmlns="" xmlns:a16="http://schemas.microsoft.com/office/drawing/2014/main" id="{E5A4022A-E762-95E8-4C91-BFCA3CFDBCC9}"/>
               </a:ext>
             </a:extLst>
           </p:cNvPr>
@@ -1129,7 +1129,7 @@
           <p:cNvPr id="3" name="세로 텍스트 개체 틀 2">
             <a:extLst>
               <a:ext uri="{FF2B5EF4-FFF2-40B4-BE49-F238E27FC236}">
-                <a16:creationId xmlns:a16="http://schemas.microsoft.com/office/drawing/2014/main" xmlns="" id="{4AEEED75-ED66-C15D-14F8-385683E63CFC}"/>
+                <a16:creationId xmlns="" xmlns:a16="http://schemas.microsoft.com/office/drawing/2014/main" id="{4AEEED75-ED66-C15D-14F8-385683E63CFC}"/>
               </a:ext>
             </a:extLst>
           </p:cNvPr>
@@ -1191,7 +1191,7 @@
           <p:cNvPr id="4" name="날짜 개체 틀 3">
             <a:extLst>
               <a:ext uri="{FF2B5EF4-FFF2-40B4-BE49-F238E27FC236}">
-                <a16:creationId xmlns:a16="http://schemas.microsoft.com/office/drawing/2014/main" xmlns="" id="{57C6D54B-C4DC-22DB-98C1-6E6E93C4E9A9}"/>
+                <a16:creationId xmlns="" xmlns:a16="http://schemas.microsoft.com/office/drawing/2014/main" id="{57C6D54B-C4DC-22DB-98C1-6E6E93C4E9A9}"/>
               </a:ext>
             </a:extLst>
           </p:cNvPr>
@@ -1209,7 +1209,7 @@
           <a:p>
             <a:fld id="{E2A38277-ABB5-4E4F-80E1-8DBDF3CCD645}" type="datetimeFigureOut">
               <a:rPr lang="ko-KR" altLang="en-US" smtClean="0"/>
-              <a:t>2024-06-30</a:t>
+              <a:t>2024-07-05</a:t>
             </a:fld>
             <a:endParaRPr lang="ko-KR" altLang="en-US"/>
           </a:p>
@@ -1220,7 +1220,7 @@
           <p:cNvPr id="5" name="바닥글 개체 틀 4">
             <a:extLst>
               <a:ext uri="{FF2B5EF4-FFF2-40B4-BE49-F238E27FC236}">
-                <a16:creationId xmlns:a16="http://schemas.microsoft.com/office/drawing/2014/main" xmlns="" id="{7237F8FA-5A66-CFD5-F50D-8A03F7B37998}"/>
+                <a16:creationId xmlns="" xmlns:a16="http://schemas.microsoft.com/office/drawing/2014/main" id="{7237F8FA-5A66-CFD5-F50D-8A03F7B37998}"/>
               </a:ext>
             </a:extLst>
           </p:cNvPr>
@@ -1245,7 +1245,7 @@
           <p:cNvPr id="6" name="슬라이드 번호 개체 틀 5">
             <a:extLst>
               <a:ext uri="{FF2B5EF4-FFF2-40B4-BE49-F238E27FC236}">
-                <a16:creationId xmlns:a16="http://schemas.microsoft.com/office/drawing/2014/main" xmlns="" id="{DD4253EB-2112-5D09-61FA-DB6E86EDFB41}"/>
+                <a16:creationId xmlns="" xmlns:a16="http://schemas.microsoft.com/office/drawing/2014/main" id="{DD4253EB-2112-5D09-61FA-DB6E86EDFB41}"/>
               </a:ext>
             </a:extLst>
           </p:cNvPr>
@@ -1304,7 +1304,7 @@
           <p:cNvPr id="2" name="제목 1">
             <a:extLst>
               <a:ext uri="{FF2B5EF4-FFF2-40B4-BE49-F238E27FC236}">
-                <a16:creationId xmlns:a16="http://schemas.microsoft.com/office/drawing/2014/main" xmlns="" id="{924F78D5-AF9A-6E15-7666-360AF81B4883}"/>
+                <a16:creationId xmlns="" xmlns:a16="http://schemas.microsoft.com/office/drawing/2014/main" id="{924F78D5-AF9A-6E15-7666-360AF81B4883}"/>
               </a:ext>
             </a:extLst>
           </p:cNvPr>
@@ -1332,7 +1332,7 @@
           <p:cNvPr id="3" name="내용 개체 틀 2">
             <a:extLst>
               <a:ext uri="{FF2B5EF4-FFF2-40B4-BE49-F238E27FC236}">
-                <a16:creationId xmlns:a16="http://schemas.microsoft.com/office/drawing/2014/main" xmlns="" id="{360667B5-9FD5-DA15-7039-7EBD90502956}"/>
+                <a16:creationId xmlns="" xmlns:a16="http://schemas.microsoft.com/office/drawing/2014/main" id="{360667B5-9FD5-DA15-7039-7EBD90502956}"/>
               </a:ext>
             </a:extLst>
           </p:cNvPr>
@@ -1389,7 +1389,7 @@
           <p:cNvPr id="4" name="날짜 개체 틀 3">
             <a:extLst>
               <a:ext uri="{FF2B5EF4-FFF2-40B4-BE49-F238E27FC236}">
-                <a16:creationId xmlns:a16="http://schemas.microsoft.com/office/drawing/2014/main" xmlns="" id="{23E6EB3E-70EA-80A7-56FB-FE2EA4D10F75}"/>
+                <a16:creationId xmlns="" xmlns:a16="http://schemas.microsoft.com/office/drawing/2014/main" id="{23E6EB3E-70EA-80A7-56FB-FE2EA4D10F75}"/>
               </a:ext>
             </a:extLst>
           </p:cNvPr>
@@ -1407,7 +1407,7 @@
           <a:p>
             <a:fld id="{E2A38277-ABB5-4E4F-80E1-8DBDF3CCD645}" type="datetimeFigureOut">
               <a:rPr lang="ko-KR" altLang="en-US" smtClean="0"/>
-              <a:t>2024-06-30</a:t>
+              <a:t>2024-07-05</a:t>
             </a:fld>
             <a:endParaRPr lang="ko-KR" altLang="en-US"/>
           </a:p>
@@ -1418,7 +1418,7 @@
           <p:cNvPr id="5" name="바닥글 개체 틀 4">
             <a:extLst>
               <a:ext uri="{FF2B5EF4-FFF2-40B4-BE49-F238E27FC236}">
-                <a16:creationId xmlns:a16="http://schemas.microsoft.com/office/drawing/2014/main" xmlns="" id="{A08E1F4A-45B5-0E64-F50E-3C027690F97A}"/>
+                <a16:creationId xmlns="" xmlns:a16="http://schemas.microsoft.com/office/drawing/2014/main" id="{A08E1F4A-45B5-0E64-F50E-3C027690F97A}"/>
               </a:ext>
             </a:extLst>
           </p:cNvPr>
@@ -1443,7 +1443,7 @@
           <p:cNvPr id="6" name="슬라이드 번호 개체 틀 5">
             <a:extLst>
               <a:ext uri="{FF2B5EF4-FFF2-40B4-BE49-F238E27FC236}">
-                <a16:creationId xmlns:a16="http://schemas.microsoft.com/office/drawing/2014/main" xmlns="" id="{910B5E1D-CC28-C0C5-E718-FD62B90EE23A}"/>
+                <a16:creationId xmlns="" xmlns:a16="http://schemas.microsoft.com/office/drawing/2014/main" id="{910B5E1D-CC28-C0C5-E718-FD62B90EE23A}"/>
               </a:ext>
             </a:extLst>
           </p:cNvPr>
@@ -1502,7 +1502,7 @@
           <p:cNvPr id="2" name="제목 1">
             <a:extLst>
               <a:ext uri="{FF2B5EF4-FFF2-40B4-BE49-F238E27FC236}">
-                <a16:creationId xmlns:a16="http://schemas.microsoft.com/office/drawing/2014/main" xmlns="" id="{68A1AEFE-C8D3-8675-02A0-4AEC2C72B462}"/>
+                <a16:creationId xmlns="" xmlns:a16="http://schemas.microsoft.com/office/drawing/2014/main" id="{68A1AEFE-C8D3-8675-02A0-4AEC2C72B462}"/>
               </a:ext>
             </a:extLst>
           </p:cNvPr>
@@ -1539,7 +1539,7 @@
           <p:cNvPr id="3" name="텍스트 개체 틀 2">
             <a:extLst>
               <a:ext uri="{FF2B5EF4-FFF2-40B4-BE49-F238E27FC236}">
-                <a16:creationId xmlns:a16="http://schemas.microsoft.com/office/drawing/2014/main" xmlns="" id="{ABC662BA-D05F-EEEF-1C03-D295773006E0}"/>
+                <a16:creationId xmlns="" xmlns:a16="http://schemas.microsoft.com/office/drawing/2014/main" id="{ABC662BA-D05F-EEEF-1C03-D295773006E0}"/>
               </a:ext>
             </a:extLst>
           </p:cNvPr>
@@ -1664,7 +1664,7 @@
           <p:cNvPr id="4" name="날짜 개체 틀 3">
             <a:extLst>
               <a:ext uri="{FF2B5EF4-FFF2-40B4-BE49-F238E27FC236}">
-                <a16:creationId xmlns:a16="http://schemas.microsoft.com/office/drawing/2014/main" xmlns="" id="{49143EF1-C0B1-5C32-218C-21D37AE9EB9F}"/>
+                <a16:creationId xmlns="" xmlns:a16="http://schemas.microsoft.com/office/drawing/2014/main" id="{49143EF1-C0B1-5C32-218C-21D37AE9EB9F}"/>
               </a:ext>
             </a:extLst>
           </p:cNvPr>
@@ -1682,7 +1682,7 @@
           <a:p>
             <a:fld id="{E2A38277-ABB5-4E4F-80E1-8DBDF3CCD645}" type="datetimeFigureOut">
               <a:rPr lang="ko-KR" altLang="en-US" smtClean="0"/>
-              <a:t>2024-06-30</a:t>
+              <a:t>2024-07-05</a:t>
             </a:fld>
             <a:endParaRPr lang="ko-KR" altLang="en-US"/>
           </a:p>
@@ -1693,7 +1693,7 @@
           <p:cNvPr id="5" name="바닥글 개체 틀 4">
             <a:extLst>
               <a:ext uri="{FF2B5EF4-FFF2-40B4-BE49-F238E27FC236}">
-                <a16:creationId xmlns:a16="http://schemas.microsoft.com/office/drawing/2014/main" xmlns="" id="{35F5B33C-AEC5-29FA-F4DF-306EF449CCAE}"/>
+                <a16:creationId xmlns="" xmlns:a16="http://schemas.microsoft.com/office/drawing/2014/main" id="{35F5B33C-AEC5-29FA-F4DF-306EF449CCAE}"/>
               </a:ext>
             </a:extLst>
           </p:cNvPr>
@@ -1718,7 +1718,7 @@
           <p:cNvPr id="6" name="슬라이드 번호 개체 틀 5">
             <a:extLst>
               <a:ext uri="{FF2B5EF4-FFF2-40B4-BE49-F238E27FC236}">
-                <a16:creationId xmlns:a16="http://schemas.microsoft.com/office/drawing/2014/main" xmlns="" id="{7CA9D35F-B4AB-A78D-0ECA-92CAB78779D3}"/>
+                <a16:creationId xmlns="" xmlns:a16="http://schemas.microsoft.com/office/drawing/2014/main" id="{7CA9D35F-B4AB-A78D-0ECA-92CAB78779D3}"/>
               </a:ext>
             </a:extLst>
           </p:cNvPr>
@@ -1777,7 +1777,7 @@
           <p:cNvPr id="2" name="제목 1">
             <a:extLst>
               <a:ext uri="{FF2B5EF4-FFF2-40B4-BE49-F238E27FC236}">
-                <a16:creationId xmlns:a16="http://schemas.microsoft.com/office/drawing/2014/main" xmlns="" id="{9F466D2C-0978-3FAA-04D7-226E34196006}"/>
+                <a16:creationId xmlns="" xmlns:a16="http://schemas.microsoft.com/office/drawing/2014/main" id="{9F466D2C-0978-3FAA-04D7-226E34196006}"/>
               </a:ext>
             </a:extLst>
           </p:cNvPr>
@@ -1805,7 +1805,7 @@
           <p:cNvPr id="3" name="내용 개체 틀 2">
             <a:extLst>
               <a:ext uri="{FF2B5EF4-FFF2-40B4-BE49-F238E27FC236}">
-                <a16:creationId xmlns:a16="http://schemas.microsoft.com/office/drawing/2014/main" xmlns="" id="{3792498E-BB3F-B7C7-F881-99547DB315DE}"/>
+                <a16:creationId xmlns="" xmlns:a16="http://schemas.microsoft.com/office/drawing/2014/main" id="{3792498E-BB3F-B7C7-F881-99547DB315DE}"/>
               </a:ext>
             </a:extLst>
           </p:cNvPr>
@@ -1867,7 +1867,7 @@
           <p:cNvPr id="4" name="내용 개체 틀 3">
             <a:extLst>
               <a:ext uri="{FF2B5EF4-FFF2-40B4-BE49-F238E27FC236}">
-                <a16:creationId xmlns:a16="http://schemas.microsoft.com/office/drawing/2014/main" xmlns="" id="{B093F6CD-554E-2489-1050-BF4079599605}"/>
+                <a16:creationId xmlns="" xmlns:a16="http://schemas.microsoft.com/office/drawing/2014/main" id="{B093F6CD-554E-2489-1050-BF4079599605}"/>
               </a:ext>
             </a:extLst>
           </p:cNvPr>
@@ -1929,7 +1929,7 @@
           <p:cNvPr id="5" name="날짜 개체 틀 4">
             <a:extLst>
               <a:ext uri="{FF2B5EF4-FFF2-40B4-BE49-F238E27FC236}">
-                <a16:creationId xmlns:a16="http://schemas.microsoft.com/office/drawing/2014/main" xmlns="" id="{7292FFB1-DECD-FEE0-EDC2-77ED54072F5E}"/>
+                <a16:creationId xmlns="" xmlns:a16="http://schemas.microsoft.com/office/drawing/2014/main" id="{7292FFB1-DECD-FEE0-EDC2-77ED54072F5E}"/>
               </a:ext>
             </a:extLst>
           </p:cNvPr>
@@ -1947,7 +1947,7 @@
           <a:p>
             <a:fld id="{E2A38277-ABB5-4E4F-80E1-8DBDF3CCD645}" type="datetimeFigureOut">
               <a:rPr lang="ko-KR" altLang="en-US" smtClean="0"/>
-              <a:t>2024-06-30</a:t>
+              <a:t>2024-07-05</a:t>
             </a:fld>
             <a:endParaRPr lang="ko-KR" altLang="en-US"/>
           </a:p>
@@ -1958,7 +1958,7 @@
           <p:cNvPr id="6" name="바닥글 개체 틀 5">
             <a:extLst>
               <a:ext uri="{FF2B5EF4-FFF2-40B4-BE49-F238E27FC236}">
-                <a16:creationId xmlns:a16="http://schemas.microsoft.com/office/drawing/2014/main" xmlns="" id="{8D0E1FE3-2B48-BCE5-ECD3-340D9E6B163E}"/>
+                <a16:creationId xmlns="" xmlns:a16="http://schemas.microsoft.com/office/drawing/2014/main" id="{8D0E1FE3-2B48-BCE5-ECD3-340D9E6B163E}"/>
               </a:ext>
             </a:extLst>
           </p:cNvPr>
@@ -1983,7 +1983,7 @@
           <p:cNvPr id="7" name="슬라이드 번호 개체 틀 6">
             <a:extLst>
               <a:ext uri="{FF2B5EF4-FFF2-40B4-BE49-F238E27FC236}">
-                <a16:creationId xmlns:a16="http://schemas.microsoft.com/office/drawing/2014/main" xmlns="" id="{D2BDCF8E-28C7-A44B-2F7B-D46713F5E0D3}"/>
+                <a16:creationId xmlns="" xmlns:a16="http://schemas.microsoft.com/office/drawing/2014/main" id="{D2BDCF8E-28C7-A44B-2F7B-D46713F5E0D3}"/>
               </a:ext>
             </a:extLst>
           </p:cNvPr>
@@ -2042,7 +2042,7 @@
           <p:cNvPr id="2" name="제목 1">
             <a:extLst>
               <a:ext uri="{FF2B5EF4-FFF2-40B4-BE49-F238E27FC236}">
-                <a16:creationId xmlns:a16="http://schemas.microsoft.com/office/drawing/2014/main" xmlns="" id="{458E8613-9241-1743-9135-EBF2D06051DE}"/>
+                <a16:creationId xmlns="" xmlns:a16="http://schemas.microsoft.com/office/drawing/2014/main" id="{458E8613-9241-1743-9135-EBF2D06051DE}"/>
               </a:ext>
             </a:extLst>
           </p:cNvPr>
@@ -2075,7 +2075,7 @@
           <p:cNvPr id="3" name="텍스트 개체 틀 2">
             <a:extLst>
               <a:ext uri="{FF2B5EF4-FFF2-40B4-BE49-F238E27FC236}">
-                <a16:creationId xmlns:a16="http://schemas.microsoft.com/office/drawing/2014/main" xmlns="" id="{FDB0BA7B-2C8F-7C67-E7CF-3D6A33B637B8}"/>
+                <a16:creationId xmlns="" xmlns:a16="http://schemas.microsoft.com/office/drawing/2014/main" id="{FDB0BA7B-2C8F-7C67-E7CF-3D6A33B637B8}"/>
               </a:ext>
             </a:extLst>
           </p:cNvPr>
@@ -2146,7 +2146,7 @@
           <p:cNvPr id="4" name="내용 개체 틀 3">
             <a:extLst>
               <a:ext uri="{FF2B5EF4-FFF2-40B4-BE49-F238E27FC236}">
-                <a16:creationId xmlns:a16="http://schemas.microsoft.com/office/drawing/2014/main" xmlns="" id="{6AB16722-A4BF-5849-0E47-5640FC6B37E8}"/>
+                <a16:creationId xmlns="" xmlns:a16="http://schemas.microsoft.com/office/drawing/2014/main" id="{6AB16722-A4BF-5849-0E47-5640FC6B37E8}"/>
               </a:ext>
             </a:extLst>
           </p:cNvPr>
@@ -2208,7 +2208,7 @@
           <p:cNvPr id="5" name="텍스트 개체 틀 4">
             <a:extLst>
               <a:ext uri="{FF2B5EF4-FFF2-40B4-BE49-F238E27FC236}">
-                <a16:creationId xmlns:a16="http://schemas.microsoft.com/office/drawing/2014/main" xmlns="" id="{0B36D3AB-8ACF-1FCD-B32F-F89EF792A109}"/>
+                <a16:creationId xmlns="" xmlns:a16="http://schemas.microsoft.com/office/drawing/2014/main" id="{0B36D3AB-8ACF-1FCD-B32F-F89EF792A109}"/>
               </a:ext>
             </a:extLst>
           </p:cNvPr>
@@ -2279,7 +2279,7 @@
           <p:cNvPr id="6" name="내용 개체 틀 5">
             <a:extLst>
               <a:ext uri="{FF2B5EF4-FFF2-40B4-BE49-F238E27FC236}">
-                <a16:creationId xmlns:a16="http://schemas.microsoft.com/office/drawing/2014/main" xmlns="" id="{8EA169C6-9076-1F05-F0CA-C1BC28C0437D}"/>
+                <a16:creationId xmlns="" xmlns:a16="http://schemas.microsoft.com/office/drawing/2014/main" id="{8EA169C6-9076-1F05-F0CA-C1BC28C0437D}"/>
               </a:ext>
             </a:extLst>
           </p:cNvPr>
@@ -2341,7 +2341,7 @@
           <p:cNvPr id="7" name="날짜 개체 틀 6">
             <a:extLst>
               <a:ext uri="{FF2B5EF4-FFF2-40B4-BE49-F238E27FC236}">
-                <a16:creationId xmlns:a16="http://schemas.microsoft.com/office/drawing/2014/main" xmlns="" id="{97DFEA32-9250-87B3-225E-4FAE425658A5}"/>
+                <a16:creationId xmlns="" xmlns:a16="http://schemas.microsoft.com/office/drawing/2014/main" id="{97DFEA32-9250-87B3-225E-4FAE425658A5}"/>
               </a:ext>
             </a:extLst>
           </p:cNvPr>
@@ -2359,7 +2359,7 @@
           <a:p>
             <a:fld id="{E2A38277-ABB5-4E4F-80E1-8DBDF3CCD645}" type="datetimeFigureOut">
               <a:rPr lang="ko-KR" altLang="en-US" smtClean="0"/>
-              <a:t>2024-06-30</a:t>
+              <a:t>2024-07-05</a:t>
             </a:fld>
             <a:endParaRPr lang="ko-KR" altLang="en-US"/>
           </a:p>
@@ -2370,7 +2370,7 @@
           <p:cNvPr id="8" name="바닥글 개체 틀 7">
             <a:extLst>
               <a:ext uri="{FF2B5EF4-FFF2-40B4-BE49-F238E27FC236}">
-                <a16:creationId xmlns:a16="http://schemas.microsoft.com/office/drawing/2014/main" xmlns="" id="{DDB58DFE-2652-9B52-3359-C2A7F3E6B2A6}"/>
+                <a16:creationId xmlns="" xmlns:a16="http://schemas.microsoft.com/office/drawing/2014/main" id="{DDB58DFE-2652-9B52-3359-C2A7F3E6B2A6}"/>
               </a:ext>
             </a:extLst>
           </p:cNvPr>
@@ -2395,7 +2395,7 @@
           <p:cNvPr id="9" name="슬라이드 번호 개체 틀 8">
             <a:extLst>
               <a:ext uri="{FF2B5EF4-FFF2-40B4-BE49-F238E27FC236}">
-                <a16:creationId xmlns:a16="http://schemas.microsoft.com/office/drawing/2014/main" xmlns="" id="{0B56D2B3-FD26-3175-E3B1-FBC099AD77AB}"/>
+                <a16:creationId xmlns="" xmlns:a16="http://schemas.microsoft.com/office/drawing/2014/main" id="{0B56D2B3-FD26-3175-E3B1-FBC099AD77AB}"/>
               </a:ext>
             </a:extLst>
           </p:cNvPr>
@@ -2454,7 +2454,7 @@
           <p:cNvPr id="2" name="제목 1">
             <a:extLst>
               <a:ext uri="{FF2B5EF4-FFF2-40B4-BE49-F238E27FC236}">
-                <a16:creationId xmlns:a16="http://schemas.microsoft.com/office/drawing/2014/main" xmlns="" id="{22CDD4F3-B385-EFAA-23B9-A833D63F966F}"/>
+                <a16:creationId xmlns="" xmlns:a16="http://schemas.microsoft.com/office/drawing/2014/main" id="{22CDD4F3-B385-EFAA-23B9-A833D63F966F}"/>
               </a:ext>
             </a:extLst>
           </p:cNvPr>
@@ -2482,7 +2482,7 @@
           <p:cNvPr id="3" name="날짜 개체 틀 2">
             <a:extLst>
               <a:ext uri="{FF2B5EF4-FFF2-40B4-BE49-F238E27FC236}">
-                <a16:creationId xmlns:a16="http://schemas.microsoft.com/office/drawing/2014/main" xmlns="" id="{F4531132-7334-9D73-CF5C-CBA880A9749F}"/>
+                <a16:creationId xmlns="" xmlns:a16="http://schemas.microsoft.com/office/drawing/2014/main" id="{F4531132-7334-9D73-CF5C-CBA880A9749F}"/>
               </a:ext>
             </a:extLst>
           </p:cNvPr>
@@ -2500,7 +2500,7 @@
           <a:p>
             <a:fld id="{E2A38277-ABB5-4E4F-80E1-8DBDF3CCD645}" type="datetimeFigureOut">
               <a:rPr lang="ko-KR" altLang="en-US" smtClean="0"/>
-              <a:t>2024-06-30</a:t>
+              <a:t>2024-07-05</a:t>
             </a:fld>
             <a:endParaRPr lang="ko-KR" altLang="en-US"/>
           </a:p>
@@ -2511,7 +2511,7 @@
           <p:cNvPr id="4" name="바닥글 개체 틀 3">
             <a:extLst>
               <a:ext uri="{FF2B5EF4-FFF2-40B4-BE49-F238E27FC236}">
-                <a16:creationId xmlns:a16="http://schemas.microsoft.com/office/drawing/2014/main" xmlns="" id="{B5268B68-7FBC-CF13-4D31-4A6F80BA89E5}"/>
+                <a16:creationId xmlns="" xmlns:a16="http://schemas.microsoft.com/office/drawing/2014/main" id="{B5268B68-7FBC-CF13-4D31-4A6F80BA89E5}"/>
               </a:ext>
             </a:extLst>
           </p:cNvPr>
@@ -2536,7 +2536,7 @@
           <p:cNvPr id="5" name="슬라이드 번호 개체 틀 4">
             <a:extLst>
               <a:ext uri="{FF2B5EF4-FFF2-40B4-BE49-F238E27FC236}">
-                <a16:creationId xmlns:a16="http://schemas.microsoft.com/office/drawing/2014/main" xmlns="" id="{DCE1704C-4951-0332-30FA-1B7CAFD92EDE}"/>
+                <a16:creationId xmlns="" xmlns:a16="http://schemas.microsoft.com/office/drawing/2014/main" id="{DCE1704C-4951-0332-30FA-1B7CAFD92EDE}"/>
               </a:ext>
             </a:extLst>
           </p:cNvPr>
@@ -2595,7 +2595,7 @@
           <p:cNvPr id="2" name="날짜 개체 틀 1">
             <a:extLst>
               <a:ext uri="{FF2B5EF4-FFF2-40B4-BE49-F238E27FC236}">
-                <a16:creationId xmlns:a16="http://schemas.microsoft.com/office/drawing/2014/main" xmlns="" id="{D73A4A8A-376D-131E-5779-BCC7E55D69F4}"/>
+                <a16:creationId xmlns="" xmlns:a16="http://schemas.microsoft.com/office/drawing/2014/main" id="{D73A4A8A-376D-131E-5779-BCC7E55D69F4}"/>
               </a:ext>
             </a:extLst>
           </p:cNvPr>
@@ -2613,7 +2613,7 @@
           <a:p>
             <a:fld id="{E2A38277-ABB5-4E4F-80E1-8DBDF3CCD645}" type="datetimeFigureOut">
               <a:rPr lang="ko-KR" altLang="en-US" smtClean="0"/>
-              <a:t>2024-06-30</a:t>
+              <a:t>2024-07-05</a:t>
             </a:fld>
             <a:endParaRPr lang="ko-KR" altLang="en-US"/>
           </a:p>
@@ -2624,7 +2624,7 @@
           <p:cNvPr id="3" name="바닥글 개체 틀 2">
             <a:extLst>
               <a:ext uri="{FF2B5EF4-FFF2-40B4-BE49-F238E27FC236}">
-                <a16:creationId xmlns:a16="http://schemas.microsoft.com/office/drawing/2014/main" xmlns="" id="{430DBA16-2162-3EC9-9BB3-1647B6A2E72A}"/>
+                <a16:creationId xmlns="" xmlns:a16="http://schemas.microsoft.com/office/drawing/2014/main" id="{430DBA16-2162-3EC9-9BB3-1647B6A2E72A}"/>
               </a:ext>
             </a:extLst>
           </p:cNvPr>
@@ -2649,7 +2649,7 @@
           <p:cNvPr id="4" name="슬라이드 번호 개체 틀 3">
             <a:extLst>
               <a:ext uri="{FF2B5EF4-FFF2-40B4-BE49-F238E27FC236}">
-                <a16:creationId xmlns:a16="http://schemas.microsoft.com/office/drawing/2014/main" xmlns="" id="{ED28A215-7B14-8FA2-AE88-9090D049F984}"/>
+                <a16:creationId xmlns="" xmlns:a16="http://schemas.microsoft.com/office/drawing/2014/main" id="{ED28A215-7B14-8FA2-AE88-9090D049F984}"/>
               </a:ext>
             </a:extLst>
           </p:cNvPr>
@@ -2708,7 +2708,7 @@
           <p:cNvPr id="2" name="제목 1">
             <a:extLst>
               <a:ext uri="{FF2B5EF4-FFF2-40B4-BE49-F238E27FC236}">
-                <a16:creationId xmlns:a16="http://schemas.microsoft.com/office/drawing/2014/main" xmlns="" id="{EF4E18FB-51B4-21A0-5EDE-5A7338602CC9}"/>
+                <a16:creationId xmlns="" xmlns:a16="http://schemas.microsoft.com/office/drawing/2014/main" id="{EF4E18FB-51B4-21A0-5EDE-5A7338602CC9}"/>
               </a:ext>
             </a:extLst>
           </p:cNvPr>
@@ -2745,7 +2745,7 @@
           <p:cNvPr id="3" name="내용 개체 틀 2">
             <a:extLst>
               <a:ext uri="{FF2B5EF4-FFF2-40B4-BE49-F238E27FC236}">
-                <a16:creationId xmlns:a16="http://schemas.microsoft.com/office/drawing/2014/main" xmlns="" id="{4A3AF8FB-8D0B-BCC6-5D45-38CA10F3F599}"/>
+                <a16:creationId xmlns="" xmlns:a16="http://schemas.microsoft.com/office/drawing/2014/main" id="{4A3AF8FB-8D0B-BCC6-5D45-38CA10F3F599}"/>
               </a:ext>
             </a:extLst>
           </p:cNvPr>
@@ -2835,7 +2835,7 @@
           <p:cNvPr id="4" name="텍스트 개체 틀 3">
             <a:extLst>
               <a:ext uri="{FF2B5EF4-FFF2-40B4-BE49-F238E27FC236}">
-                <a16:creationId xmlns:a16="http://schemas.microsoft.com/office/drawing/2014/main" xmlns="" id="{6D62086C-BCD9-0B99-DEF8-B26DC1229A46}"/>
+                <a16:creationId xmlns="" xmlns:a16="http://schemas.microsoft.com/office/drawing/2014/main" id="{6D62086C-BCD9-0B99-DEF8-B26DC1229A46}"/>
               </a:ext>
             </a:extLst>
           </p:cNvPr>
@@ -2906,7 +2906,7 @@
           <p:cNvPr id="5" name="날짜 개체 틀 4">
             <a:extLst>
               <a:ext uri="{FF2B5EF4-FFF2-40B4-BE49-F238E27FC236}">
-                <a16:creationId xmlns:a16="http://schemas.microsoft.com/office/drawing/2014/main" xmlns="" id="{9963E116-6949-F1AC-D348-BC1DDA431743}"/>
+                <a16:creationId xmlns="" xmlns:a16="http://schemas.microsoft.com/office/drawing/2014/main" id="{9963E116-6949-F1AC-D348-BC1DDA431743}"/>
               </a:ext>
             </a:extLst>
           </p:cNvPr>
@@ -2924,7 +2924,7 @@
           <a:p>
             <a:fld id="{E2A38277-ABB5-4E4F-80E1-8DBDF3CCD645}" type="datetimeFigureOut">
               <a:rPr lang="ko-KR" altLang="en-US" smtClean="0"/>
-              <a:t>2024-06-30</a:t>
+              <a:t>2024-07-05</a:t>
             </a:fld>
             <a:endParaRPr lang="ko-KR" altLang="en-US"/>
           </a:p>
@@ -2935,7 +2935,7 @@
           <p:cNvPr id="6" name="바닥글 개체 틀 5">
             <a:extLst>
               <a:ext uri="{FF2B5EF4-FFF2-40B4-BE49-F238E27FC236}">
-                <a16:creationId xmlns:a16="http://schemas.microsoft.com/office/drawing/2014/main" xmlns="" id="{F4A68F7B-86B1-4737-1A24-C0DAD2D18361}"/>
+                <a16:creationId xmlns="" xmlns:a16="http://schemas.microsoft.com/office/drawing/2014/main" id="{F4A68F7B-86B1-4737-1A24-C0DAD2D18361}"/>
               </a:ext>
             </a:extLst>
           </p:cNvPr>
@@ -2960,7 +2960,7 @@
           <p:cNvPr id="7" name="슬라이드 번호 개체 틀 6">
             <a:extLst>
               <a:ext uri="{FF2B5EF4-FFF2-40B4-BE49-F238E27FC236}">
-                <a16:creationId xmlns:a16="http://schemas.microsoft.com/office/drawing/2014/main" xmlns="" id="{2D4FE796-D27C-CB9F-33BA-41BA455B7F71}"/>
+                <a16:creationId xmlns="" xmlns:a16="http://schemas.microsoft.com/office/drawing/2014/main" id="{2D4FE796-D27C-CB9F-33BA-41BA455B7F71}"/>
               </a:ext>
             </a:extLst>
           </p:cNvPr>
@@ -3019,7 +3019,7 @@
           <p:cNvPr id="2" name="제목 1">
             <a:extLst>
               <a:ext uri="{FF2B5EF4-FFF2-40B4-BE49-F238E27FC236}">
-                <a16:creationId xmlns:a16="http://schemas.microsoft.com/office/drawing/2014/main" xmlns="" id="{DC275F19-C3E3-4B03-A7E0-3608E5865C0F}"/>
+                <a16:creationId xmlns="" xmlns:a16="http://schemas.microsoft.com/office/drawing/2014/main" id="{DC275F19-C3E3-4B03-A7E0-3608E5865C0F}"/>
               </a:ext>
             </a:extLst>
           </p:cNvPr>
@@ -3056,7 +3056,7 @@
           <p:cNvPr id="3" name="그림 개체 틀 2">
             <a:extLst>
               <a:ext uri="{FF2B5EF4-FFF2-40B4-BE49-F238E27FC236}">
-                <a16:creationId xmlns:a16="http://schemas.microsoft.com/office/drawing/2014/main" xmlns="" id="{4FD0F81E-5942-5A49-BC52-A536EB1E20ED}"/>
+                <a16:creationId xmlns="" xmlns:a16="http://schemas.microsoft.com/office/drawing/2014/main" id="{4FD0F81E-5942-5A49-BC52-A536EB1E20ED}"/>
               </a:ext>
             </a:extLst>
           </p:cNvPr>
@@ -3123,7 +3123,7 @@
           <p:cNvPr id="4" name="텍스트 개체 틀 3">
             <a:extLst>
               <a:ext uri="{FF2B5EF4-FFF2-40B4-BE49-F238E27FC236}">
-                <a16:creationId xmlns:a16="http://schemas.microsoft.com/office/drawing/2014/main" xmlns="" id="{5EC2BFE0-EC71-A311-5E72-B5300F5B0535}"/>
+                <a16:creationId xmlns="" xmlns:a16="http://schemas.microsoft.com/office/drawing/2014/main" id="{5EC2BFE0-EC71-A311-5E72-B5300F5B0535}"/>
               </a:ext>
             </a:extLst>
           </p:cNvPr>
@@ -3194,7 +3194,7 @@
           <p:cNvPr id="5" name="날짜 개체 틀 4">
             <a:extLst>
               <a:ext uri="{FF2B5EF4-FFF2-40B4-BE49-F238E27FC236}">
-                <a16:creationId xmlns:a16="http://schemas.microsoft.com/office/drawing/2014/main" xmlns="" id="{750FC34B-AA40-6BDE-33DC-8A76DDC57AF7}"/>
+                <a16:creationId xmlns="" xmlns:a16="http://schemas.microsoft.com/office/drawing/2014/main" id="{750FC34B-AA40-6BDE-33DC-8A76DDC57AF7}"/>
               </a:ext>
             </a:extLst>
           </p:cNvPr>
@@ -3212,7 +3212,7 @@
           <a:p>
             <a:fld id="{E2A38277-ABB5-4E4F-80E1-8DBDF3CCD645}" type="datetimeFigureOut">
               <a:rPr lang="ko-KR" altLang="en-US" smtClean="0"/>
-              <a:t>2024-06-30</a:t>
+              <a:t>2024-07-05</a:t>
             </a:fld>
             <a:endParaRPr lang="ko-KR" altLang="en-US"/>
           </a:p>
@@ -3223,7 +3223,7 @@
           <p:cNvPr id="6" name="바닥글 개체 틀 5">
             <a:extLst>
               <a:ext uri="{FF2B5EF4-FFF2-40B4-BE49-F238E27FC236}">
-                <a16:creationId xmlns:a16="http://schemas.microsoft.com/office/drawing/2014/main" xmlns="" id="{B41E30B1-E655-8387-781F-22E7C4C81E99}"/>
+                <a16:creationId xmlns="" xmlns:a16="http://schemas.microsoft.com/office/drawing/2014/main" id="{B41E30B1-E655-8387-781F-22E7C4C81E99}"/>
               </a:ext>
             </a:extLst>
           </p:cNvPr>
@@ -3248,7 +3248,7 @@
           <p:cNvPr id="7" name="슬라이드 번호 개체 틀 6">
             <a:extLst>
               <a:ext uri="{FF2B5EF4-FFF2-40B4-BE49-F238E27FC236}">
-                <a16:creationId xmlns:a16="http://schemas.microsoft.com/office/drawing/2014/main" xmlns="" id="{9BCB7C17-36C6-C7F1-FEE4-BAF3D28698C9}"/>
+                <a16:creationId xmlns="" xmlns:a16="http://schemas.microsoft.com/office/drawing/2014/main" id="{9BCB7C17-36C6-C7F1-FEE4-BAF3D28698C9}"/>
               </a:ext>
             </a:extLst>
           </p:cNvPr>
@@ -3312,7 +3312,7 @@
           <p:cNvPr id="2" name="제목 개체 틀 1">
             <a:extLst>
               <a:ext uri="{FF2B5EF4-FFF2-40B4-BE49-F238E27FC236}">
-                <a16:creationId xmlns:a16="http://schemas.microsoft.com/office/drawing/2014/main" xmlns="" id="{74068866-4A94-939C-E5D7-F0E81F87BFAE}"/>
+                <a16:creationId xmlns="" xmlns:a16="http://schemas.microsoft.com/office/drawing/2014/main" id="{74068866-4A94-939C-E5D7-F0E81F87BFAE}"/>
               </a:ext>
             </a:extLst>
           </p:cNvPr>
@@ -3350,7 +3350,7 @@
           <p:cNvPr id="3" name="텍스트 개체 틀 2">
             <a:extLst>
               <a:ext uri="{FF2B5EF4-FFF2-40B4-BE49-F238E27FC236}">
-                <a16:creationId xmlns:a16="http://schemas.microsoft.com/office/drawing/2014/main" xmlns="" id="{D68E18BC-E22B-51D1-6233-478D64CF0078}"/>
+                <a16:creationId xmlns="" xmlns:a16="http://schemas.microsoft.com/office/drawing/2014/main" id="{D68E18BC-E22B-51D1-6233-478D64CF0078}"/>
               </a:ext>
             </a:extLst>
           </p:cNvPr>
@@ -3417,7 +3417,7 @@
           <p:cNvPr id="4" name="날짜 개체 틀 3">
             <a:extLst>
               <a:ext uri="{FF2B5EF4-FFF2-40B4-BE49-F238E27FC236}">
-                <a16:creationId xmlns:a16="http://schemas.microsoft.com/office/drawing/2014/main" xmlns="" id="{E783EFEB-79D1-75F2-16A4-62968BDD82E8}"/>
+                <a16:creationId xmlns="" xmlns:a16="http://schemas.microsoft.com/office/drawing/2014/main" id="{E783EFEB-79D1-75F2-16A4-62968BDD82E8}"/>
               </a:ext>
             </a:extLst>
           </p:cNvPr>
@@ -3453,7 +3453,7 @@
           <a:p>
             <a:fld id="{E2A38277-ABB5-4E4F-80E1-8DBDF3CCD645}" type="datetimeFigureOut">
               <a:rPr lang="ko-KR" altLang="en-US" smtClean="0"/>
-              <a:t>2024-06-30</a:t>
+              <a:t>2024-07-05</a:t>
             </a:fld>
             <a:endParaRPr lang="ko-KR" altLang="en-US"/>
           </a:p>
@@ -3464,7 +3464,7 @@
           <p:cNvPr id="5" name="바닥글 개체 틀 4">
             <a:extLst>
               <a:ext uri="{FF2B5EF4-FFF2-40B4-BE49-F238E27FC236}">
-                <a16:creationId xmlns:a16="http://schemas.microsoft.com/office/drawing/2014/main" xmlns="" id="{B149114E-C0DA-00D3-44A2-52B6671E7330}"/>
+                <a16:creationId xmlns="" xmlns:a16="http://schemas.microsoft.com/office/drawing/2014/main" id="{B149114E-C0DA-00D3-44A2-52B6671E7330}"/>
               </a:ext>
             </a:extLst>
           </p:cNvPr>
@@ -3507,7 +3507,7 @@
           <p:cNvPr id="6" name="슬라이드 번호 개체 틀 5">
             <a:extLst>
               <a:ext uri="{FF2B5EF4-FFF2-40B4-BE49-F238E27FC236}">
-                <a16:creationId xmlns:a16="http://schemas.microsoft.com/office/drawing/2014/main" xmlns="" id="{9EDA3855-9C32-9C37-6A42-30F432C45AE2}"/>
+                <a16:creationId xmlns="" xmlns:a16="http://schemas.microsoft.com/office/drawing/2014/main" id="{9EDA3855-9C32-9C37-6A42-30F432C45AE2}"/>
               </a:ext>
             </a:extLst>
           </p:cNvPr>
@@ -3875,7 +3875,7 @@
           <p:cNvPr id="5" name="TextBox 4">
             <a:extLst>
               <a:ext uri="{FF2B5EF4-FFF2-40B4-BE49-F238E27FC236}">
-                <a16:creationId xmlns:a16="http://schemas.microsoft.com/office/drawing/2014/main" xmlns="" id="{89C2E923-53C3-29F4-3A2A-6B84631FF275}"/>
+                <a16:creationId xmlns="" xmlns:a16="http://schemas.microsoft.com/office/drawing/2014/main" id="{89C2E923-53C3-29F4-3A2A-6B84631FF275}"/>
               </a:ext>
             </a:extLst>
           </p:cNvPr>
@@ -3988,7 +3988,7 @@
           <p:cNvPr id="5" name="그림 4">
             <a:extLst>
               <a:ext uri="{FF2B5EF4-FFF2-40B4-BE49-F238E27FC236}">
-                <a16:creationId xmlns:a16="http://schemas.microsoft.com/office/drawing/2014/main" xmlns="" id="{B435C393-F58D-6FEC-9D09-4ABB8DDCC0A6}"/>
+                <a16:creationId xmlns="" xmlns:a16="http://schemas.microsoft.com/office/drawing/2014/main" id="{B435C393-F58D-6FEC-9D09-4ABB8DDCC0A6}"/>
               </a:ext>
             </a:extLst>
           </p:cNvPr>
@@ -4018,7 +4018,7 @@
           <p:cNvPr id="12" name="직선 화살표 연결선 11">
             <a:extLst>
               <a:ext uri="{FF2B5EF4-FFF2-40B4-BE49-F238E27FC236}">
-                <a16:creationId xmlns:a16="http://schemas.microsoft.com/office/drawing/2014/main" xmlns="" id="{BA403B85-B8BE-CD30-2192-B37D21154562}"/>
+                <a16:creationId xmlns="" xmlns:a16="http://schemas.microsoft.com/office/drawing/2014/main" id="{BA403B85-B8BE-CD30-2192-B37D21154562}"/>
               </a:ext>
             </a:extLst>
           </p:cNvPr>
@@ -4064,7 +4064,7 @@
           <p:cNvPr id="3" name="직사각형 2">
             <a:extLst>
               <a:ext uri="{FF2B5EF4-FFF2-40B4-BE49-F238E27FC236}">
-                <a16:creationId xmlns:a16="http://schemas.microsoft.com/office/drawing/2014/main" xmlns="" id="{3DF280BD-43D1-74D8-6D9C-72439FB22075}"/>
+                <a16:creationId xmlns="" xmlns:a16="http://schemas.microsoft.com/office/drawing/2014/main" id="{3DF280BD-43D1-74D8-6D9C-72439FB22075}"/>
               </a:ext>
             </a:extLst>
           </p:cNvPr>
@@ -4116,7 +4116,7 @@
           <p:cNvPr id="4" name="Rectangle 1">
             <a:extLst>
               <a:ext uri="{FF2B5EF4-FFF2-40B4-BE49-F238E27FC236}">
-                <a16:creationId xmlns:a16="http://schemas.microsoft.com/office/drawing/2014/main" xmlns="" id="{DAC6AB3E-1B6D-3859-9140-65F690EE4734}"/>
+                <a16:creationId xmlns="" xmlns:a16="http://schemas.microsoft.com/office/drawing/2014/main" id="{DAC6AB3E-1B6D-3859-9140-65F690EE4734}"/>
               </a:ext>
             </a:extLst>
           </p:cNvPr>
@@ -9910,7 +9910,7 @@
           <p:cNvPr id="10" name="그룹 9">
             <a:extLst>
               <a:ext uri="{FF2B5EF4-FFF2-40B4-BE49-F238E27FC236}">
-                <a16:creationId xmlns:a16="http://schemas.microsoft.com/office/drawing/2014/main" xmlns="" id="{719264B9-9AAE-9477-EFB9-DEC074CCF79A}"/>
+                <a16:creationId xmlns="" xmlns:a16="http://schemas.microsoft.com/office/drawing/2014/main" id="{719264B9-9AAE-9477-EFB9-DEC074CCF79A}"/>
               </a:ext>
             </a:extLst>
           </p:cNvPr>
@@ -9930,7 +9930,7 @@
             <p:cNvPr id="7" name="그림 6">
               <a:extLst>
                 <a:ext uri="{FF2B5EF4-FFF2-40B4-BE49-F238E27FC236}">
-                  <a16:creationId xmlns:a16="http://schemas.microsoft.com/office/drawing/2014/main" xmlns="" id="{0B961C29-B02F-26E3-027E-7A42957578FA}"/>
+                  <a16:creationId xmlns="" xmlns:a16="http://schemas.microsoft.com/office/drawing/2014/main" id="{0B961C29-B02F-26E3-027E-7A42957578FA}"/>
                 </a:ext>
               </a:extLst>
             </p:cNvPr>
@@ -9960,7 +9960,7 @@
             <p:cNvPr id="9" name="그림 8">
               <a:extLst>
                 <a:ext uri="{FF2B5EF4-FFF2-40B4-BE49-F238E27FC236}">
-                  <a16:creationId xmlns:a16="http://schemas.microsoft.com/office/drawing/2014/main" xmlns="" id="{38EA9C2D-A781-0C76-B123-005DD6516C2A}"/>
+                  <a16:creationId xmlns="" xmlns:a16="http://schemas.microsoft.com/office/drawing/2014/main" id="{38EA9C2D-A781-0C76-B123-005DD6516C2A}"/>
                 </a:ext>
               </a:extLst>
             </p:cNvPr>
@@ -9991,7 +9991,7 @@
           <p:cNvPr id="12" name="TextBox 11">
             <a:extLst>
               <a:ext uri="{FF2B5EF4-FFF2-40B4-BE49-F238E27FC236}">
-                <a16:creationId xmlns:a16="http://schemas.microsoft.com/office/drawing/2014/main" xmlns="" id="{F92E925B-07A0-9A6E-E97F-91AF9F627031}"/>
+                <a16:creationId xmlns="" xmlns:a16="http://schemas.microsoft.com/office/drawing/2014/main" id="{F92E925B-07A0-9A6E-E97F-91AF9F627031}"/>
               </a:ext>
             </a:extLst>
           </p:cNvPr>
@@ -11974,7 +11974,7 @@
           <p:cNvPr id="14" name="그림 13">
             <a:extLst>
               <a:ext uri="{FF2B5EF4-FFF2-40B4-BE49-F238E27FC236}">
-                <a16:creationId xmlns:a16="http://schemas.microsoft.com/office/drawing/2014/main" xmlns="" id="{7006AAF1-A3F4-B413-F6E3-560318EB1252}"/>
+                <a16:creationId xmlns="" xmlns:a16="http://schemas.microsoft.com/office/drawing/2014/main" id="{7006AAF1-A3F4-B413-F6E3-560318EB1252}"/>
               </a:ext>
             </a:extLst>
           </p:cNvPr>
@@ -12004,7 +12004,7 @@
           <p:cNvPr id="15" name="TextBox 14">
             <a:extLst>
               <a:ext uri="{FF2B5EF4-FFF2-40B4-BE49-F238E27FC236}">
-                <a16:creationId xmlns:a16="http://schemas.microsoft.com/office/drawing/2014/main" xmlns="" id="{0B775F7C-A495-D227-5CD1-54A65DAA35BC}"/>
+                <a16:creationId xmlns="" xmlns:a16="http://schemas.microsoft.com/office/drawing/2014/main" id="{0B775F7C-A495-D227-5CD1-54A65DAA35BC}"/>
               </a:ext>
             </a:extLst>
           </p:cNvPr>
@@ -12040,7 +12040,7 @@
           <p:cNvPr id="16" name="TextBox 15">
             <a:extLst>
               <a:ext uri="{FF2B5EF4-FFF2-40B4-BE49-F238E27FC236}">
-                <a16:creationId xmlns:a16="http://schemas.microsoft.com/office/drawing/2014/main" xmlns="" id="{6FACBD11-7887-274D-BF35-6BC34558BA53}"/>
+                <a16:creationId xmlns="" xmlns:a16="http://schemas.microsoft.com/office/drawing/2014/main" id="{6FACBD11-7887-274D-BF35-6BC34558BA53}"/>
               </a:ext>
             </a:extLst>
           </p:cNvPr>
@@ -12076,7 +12076,7 @@
           <p:cNvPr id="17" name="화살표: 오른쪽 16">
             <a:extLst>
               <a:ext uri="{FF2B5EF4-FFF2-40B4-BE49-F238E27FC236}">
-                <a16:creationId xmlns:a16="http://schemas.microsoft.com/office/drawing/2014/main" xmlns="" id="{06A3DA6E-C086-9CB9-1D12-0A84A0AA6DEF}"/>
+                <a16:creationId xmlns="" xmlns:a16="http://schemas.microsoft.com/office/drawing/2014/main" id="{06A3DA6E-C086-9CB9-1D12-0A84A0AA6DEF}"/>
               </a:ext>
             </a:extLst>
           </p:cNvPr>
@@ -12122,7 +12122,7 @@
           <p:cNvPr id="2" name="직사각형 1">
             <a:extLst>
               <a:ext uri="{FF2B5EF4-FFF2-40B4-BE49-F238E27FC236}">
-                <a16:creationId xmlns:a16="http://schemas.microsoft.com/office/drawing/2014/main" xmlns="" id="{4301B565-2473-AE4A-BE1B-CCCF8974E52C}"/>
+                <a16:creationId xmlns="" xmlns:a16="http://schemas.microsoft.com/office/drawing/2014/main" id="{4301B565-2473-AE4A-BE1B-CCCF8974E52C}"/>
               </a:ext>
             </a:extLst>
           </p:cNvPr>
@@ -12204,7 +12204,7 @@
           <p:cNvPr id="5" name="그림 4">
             <a:extLst>
               <a:ext uri="{FF2B5EF4-FFF2-40B4-BE49-F238E27FC236}">
-                <a16:creationId xmlns:a16="http://schemas.microsoft.com/office/drawing/2014/main" xmlns="" id="{B435C393-F58D-6FEC-9D09-4ABB8DDCC0A6}"/>
+                <a16:creationId xmlns="" xmlns:a16="http://schemas.microsoft.com/office/drawing/2014/main" id="{B435C393-F58D-6FEC-9D09-4ABB8DDCC0A6}"/>
               </a:ext>
             </a:extLst>
           </p:cNvPr>
@@ -12234,7 +12234,7 @@
           <p:cNvPr id="12" name="직선 화살표 연결선 11">
             <a:extLst>
               <a:ext uri="{FF2B5EF4-FFF2-40B4-BE49-F238E27FC236}">
-                <a16:creationId xmlns:a16="http://schemas.microsoft.com/office/drawing/2014/main" xmlns="" id="{BA403B85-B8BE-CD30-2192-B37D21154562}"/>
+                <a16:creationId xmlns="" xmlns:a16="http://schemas.microsoft.com/office/drawing/2014/main" id="{BA403B85-B8BE-CD30-2192-B37D21154562}"/>
               </a:ext>
             </a:extLst>
           </p:cNvPr>
@@ -12279,7 +12279,7 @@
           <p:cNvPr id="3" name="직사각형 2">
             <a:extLst>
               <a:ext uri="{FF2B5EF4-FFF2-40B4-BE49-F238E27FC236}">
-                <a16:creationId xmlns:a16="http://schemas.microsoft.com/office/drawing/2014/main" xmlns="" id="{3DF280BD-43D1-74D8-6D9C-72439FB22075}"/>
+                <a16:creationId xmlns="" xmlns:a16="http://schemas.microsoft.com/office/drawing/2014/main" id="{3DF280BD-43D1-74D8-6D9C-72439FB22075}"/>
               </a:ext>
             </a:extLst>
           </p:cNvPr>
@@ -12331,7 +12331,7 @@
           <p:cNvPr id="2" name="Rectangle 1">
             <a:extLst>
               <a:ext uri="{FF2B5EF4-FFF2-40B4-BE49-F238E27FC236}">
-                <a16:creationId xmlns:a16="http://schemas.microsoft.com/office/drawing/2014/main" xmlns="" id="{87C3CB24-AD80-51B9-9100-28477D069EAA}"/>
+                <a16:creationId xmlns="" xmlns:a16="http://schemas.microsoft.com/office/drawing/2014/main" id="{87C3CB24-AD80-51B9-9100-28477D069EAA}"/>
               </a:ext>
             </a:extLst>
           </p:cNvPr>
@@ -16005,7 +16005,7 @@
           <p:cNvPr id="7" name="그림 6">
             <a:extLst>
               <a:ext uri="{FF2B5EF4-FFF2-40B4-BE49-F238E27FC236}">
-                <a16:creationId xmlns:a16="http://schemas.microsoft.com/office/drawing/2014/main" xmlns="" id="{CA9BD65A-A4B0-5E77-582E-9A8AF2F27389}"/>
+                <a16:creationId xmlns="" xmlns:a16="http://schemas.microsoft.com/office/drawing/2014/main" id="{CA9BD65A-A4B0-5E77-582E-9A8AF2F27389}"/>
               </a:ext>
             </a:extLst>
           </p:cNvPr>
@@ -16035,7 +16035,7 @@
           <p:cNvPr id="8" name="TextBox 7">
             <a:extLst>
               <a:ext uri="{FF2B5EF4-FFF2-40B4-BE49-F238E27FC236}">
-                <a16:creationId xmlns:a16="http://schemas.microsoft.com/office/drawing/2014/main" xmlns="" id="{D00B7677-9376-B121-ED97-1C493FE6249F}"/>
+                <a16:creationId xmlns="" xmlns:a16="http://schemas.microsoft.com/office/drawing/2014/main" id="{D00B7677-9376-B121-ED97-1C493FE6249F}"/>
               </a:ext>
             </a:extLst>
           </p:cNvPr>
@@ -16074,7 +16074,7 @@
           <p:cNvPr id="11" name="그림 10">
             <a:extLst>
               <a:ext uri="{FF2B5EF4-FFF2-40B4-BE49-F238E27FC236}">
-                <a16:creationId xmlns:a16="http://schemas.microsoft.com/office/drawing/2014/main" xmlns="" id="{31AC3FCF-03FF-F33B-1DF2-911A5D21DA2E}"/>
+                <a16:creationId xmlns="" xmlns:a16="http://schemas.microsoft.com/office/drawing/2014/main" id="{31AC3FCF-03FF-F33B-1DF2-911A5D21DA2E}"/>
               </a:ext>
             </a:extLst>
           </p:cNvPr>
@@ -16134,7 +16134,7 @@
           <p:cNvPr id="8" name="그림 7">
             <a:extLst>
               <a:ext uri="{FF2B5EF4-FFF2-40B4-BE49-F238E27FC236}">
-                <a16:creationId xmlns:a16="http://schemas.microsoft.com/office/drawing/2014/main" xmlns="" id="{B89E75AF-5163-A952-32B6-720FF9A8C037}"/>
+                <a16:creationId xmlns="" xmlns:a16="http://schemas.microsoft.com/office/drawing/2014/main" id="{B89E75AF-5163-A952-32B6-720FF9A8C037}"/>
               </a:ext>
             </a:extLst>
           </p:cNvPr>
@@ -16169,7 +16169,7 @@
           <p:cNvPr id="10" name="그림 9">
             <a:extLst>
               <a:ext uri="{FF2B5EF4-FFF2-40B4-BE49-F238E27FC236}">
-                <a16:creationId xmlns:a16="http://schemas.microsoft.com/office/drawing/2014/main" xmlns="" id="{6DED82E8-C8A0-0010-565E-B1386F012D43}"/>
+                <a16:creationId xmlns="" xmlns:a16="http://schemas.microsoft.com/office/drawing/2014/main" id="{6DED82E8-C8A0-0010-565E-B1386F012D43}"/>
               </a:ext>
             </a:extLst>
           </p:cNvPr>
@@ -16234,7 +16234,7 @@
           <p:cNvPr id="6" name="그림 5">
             <a:extLst>
               <a:ext uri="{FF2B5EF4-FFF2-40B4-BE49-F238E27FC236}">
-                <a16:creationId xmlns:a16="http://schemas.microsoft.com/office/drawing/2014/main" xmlns="" id="{B8B30428-3487-C9FB-C844-BA956C0996D9}"/>
+                <a16:creationId xmlns="" xmlns:a16="http://schemas.microsoft.com/office/drawing/2014/main" id="{B8B30428-3487-C9FB-C844-BA956C0996D9}"/>
               </a:ext>
             </a:extLst>
           </p:cNvPr>
@@ -16299,7 +16299,7 @@
           <p:cNvPr id="7" name="그림 6">
             <a:extLst>
               <a:ext uri="{FF2B5EF4-FFF2-40B4-BE49-F238E27FC236}">
-                <a16:creationId xmlns:a16="http://schemas.microsoft.com/office/drawing/2014/main" xmlns="" id="{5EECC6EB-AAC6-C0B2-2DAD-0101701CF194}"/>
+                <a16:creationId xmlns="" xmlns:a16="http://schemas.microsoft.com/office/drawing/2014/main" id="{5EECC6EB-AAC6-C0B2-2DAD-0101701CF194}"/>
               </a:ext>
             </a:extLst>
           </p:cNvPr>
@@ -16328,7 +16328,7 @@
           <p:cNvPr id="10" name="그림 9">
             <a:extLst>
               <a:ext uri="{FF2B5EF4-FFF2-40B4-BE49-F238E27FC236}">
-                <a16:creationId xmlns:a16="http://schemas.microsoft.com/office/drawing/2014/main" xmlns="" id="{99C9B7A5-F839-E44A-C2B1-D2F400439631}"/>
+                <a16:creationId xmlns="" xmlns:a16="http://schemas.microsoft.com/office/drawing/2014/main" id="{99C9B7A5-F839-E44A-C2B1-D2F400439631}"/>
               </a:ext>
             </a:extLst>
           </p:cNvPr>
@@ -16358,7 +16358,7 @@
           <p:cNvPr id="2" name="직사각형 1">
             <a:extLst>
               <a:ext uri="{FF2B5EF4-FFF2-40B4-BE49-F238E27FC236}">
-                <a16:creationId xmlns:a16="http://schemas.microsoft.com/office/drawing/2014/main" xmlns="" id="{C4C908F2-ACFF-F146-A24A-C86498CE1810}"/>
+                <a16:creationId xmlns="" xmlns:a16="http://schemas.microsoft.com/office/drawing/2014/main" id="{C4C908F2-ACFF-F146-A24A-C86498CE1810}"/>
               </a:ext>
             </a:extLst>
           </p:cNvPr>
@@ -16440,7 +16440,7 @@
           <p:cNvPr id="4" name="TextBox 3">
             <a:extLst>
               <a:ext uri="{FF2B5EF4-FFF2-40B4-BE49-F238E27FC236}">
-                <a16:creationId xmlns:a16="http://schemas.microsoft.com/office/drawing/2014/main" xmlns="" id="{938415E1-A23E-5539-C1B9-44EA04A90FDB}"/>
+                <a16:creationId xmlns="" xmlns:a16="http://schemas.microsoft.com/office/drawing/2014/main" id="{938415E1-A23E-5539-C1B9-44EA04A90FDB}"/>
               </a:ext>
             </a:extLst>
           </p:cNvPr>
@@ -16483,7 +16483,7 @@
           <p:cNvPr id="1028" name="Picture 4">
             <a:extLst>
               <a:ext uri="{FF2B5EF4-FFF2-40B4-BE49-F238E27FC236}">
-                <a16:creationId xmlns:a16="http://schemas.microsoft.com/office/drawing/2014/main" xmlns="" id="{8A9DD921-A45C-B432-4BFA-39FA1951798A}"/>
+                <a16:creationId xmlns="" xmlns:a16="http://schemas.microsoft.com/office/drawing/2014/main" id="{8A9DD921-A45C-B432-4BFA-39FA1951798A}"/>
               </a:ext>
             </a:extLst>
           </p:cNvPr>
@@ -16560,7 +16560,7 @@
           <p:cNvPr id="5" name="그림 4">
             <a:extLst>
               <a:ext uri="{FF2B5EF4-FFF2-40B4-BE49-F238E27FC236}">
-                <a16:creationId xmlns:a16="http://schemas.microsoft.com/office/drawing/2014/main" xmlns="" id="{D052609C-ADDC-4A99-44A5-C6E51E053B55}"/>
+                <a16:creationId xmlns="" xmlns:a16="http://schemas.microsoft.com/office/drawing/2014/main" id="{D052609C-ADDC-4A99-44A5-C6E51E053B55}"/>
               </a:ext>
             </a:extLst>
           </p:cNvPr>
@@ -16590,7 +16590,7 @@
           <p:cNvPr id="7" name="Rectangle 2">
             <a:extLst>
               <a:ext uri="{FF2B5EF4-FFF2-40B4-BE49-F238E27FC236}">
-                <a16:creationId xmlns:a16="http://schemas.microsoft.com/office/drawing/2014/main" xmlns="" id="{817FF0CA-44E3-7AD3-3B99-EDF5D519D97A}"/>
+                <a16:creationId xmlns="" xmlns:a16="http://schemas.microsoft.com/office/drawing/2014/main" id="{817FF0CA-44E3-7AD3-3B99-EDF5D519D97A}"/>
               </a:ext>
             </a:extLst>
           </p:cNvPr>
@@ -20249,7 +20249,7 @@
           <p:cNvPr id="12" name="직선 화살표 연결선 11">
             <a:extLst>
               <a:ext uri="{FF2B5EF4-FFF2-40B4-BE49-F238E27FC236}">
-                <a16:creationId xmlns:a16="http://schemas.microsoft.com/office/drawing/2014/main" xmlns="" id="{4C8208B2-2F40-29C1-DB36-F68082ED55D5}"/>
+                <a16:creationId xmlns="" xmlns:a16="http://schemas.microsoft.com/office/drawing/2014/main" id="{4C8208B2-2F40-29C1-DB36-F68082ED55D5}"/>
               </a:ext>
             </a:extLst>
           </p:cNvPr>
@@ -20293,7 +20293,7 @@
           <p:cNvPr id="14" name="직사각형 13">
             <a:extLst>
               <a:ext uri="{FF2B5EF4-FFF2-40B4-BE49-F238E27FC236}">
-                <a16:creationId xmlns:a16="http://schemas.microsoft.com/office/drawing/2014/main" xmlns="" id="{02D4BE30-CB5F-7D37-9616-83357EC9981E}"/>
+                <a16:creationId xmlns="" xmlns:a16="http://schemas.microsoft.com/office/drawing/2014/main" id="{02D4BE30-CB5F-7D37-9616-83357EC9981E}"/>
               </a:ext>
             </a:extLst>
           </p:cNvPr>
@@ -20345,7 +20345,7 @@
           <p:cNvPr id="15" name="TextBox 14">
             <a:extLst>
               <a:ext uri="{FF2B5EF4-FFF2-40B4-BE49-F238E27FC236}">
-                <a16:creationId xmlns:a16="http://schemas.microsoft.com/office/drawing/2014/main" xmlns="" id="{E97EFD85-2B6F-A614-7CB5-450A06BC8BB2}"/>
+                <a16:creationId xmlns="" xmlns:a16="http://schemas.microsoft.com/office/drawing/2014/main" id="{E97EFD85-2B6F-A614-7CB5-450A06BC8BB2}"/>
               </a:ext>
             </a:extLst>
           </p:cNvPr>
@@ -20423,7 +20423,7 @@
           <p:cNvPr id="4" name="그림 3">
             <a:extLst>
               <a:ext uri="{FF2B5EF4-FFF2-40B4-BE49-F238E27FC236}">
-                <a16:creationId xmlns:a16="http://schemas.microsoft.com/office/drawing/2014/main" xmlns="" id="{DB9C437C-005F-4E99-F38E-1DEE07F1B28F}"/>
+                <a16:creationId xmlns="" xmlns:a16="http://schemas.microsoft.com/office/drawing/2014/main" id="{DB9C437C-005F-4E99-F38E-1DEE07F1B28F}"/>
               </a:ext>
             </a:extLst>
           </p:cNvPr>
@@ -20453,7 +20453,7 @@
           <p:cNvPr id="5" name="직선 화살표 연결선 4">
             <a:extLst>
               <a:ext uri="{FF2B5EF4-FFF2-40B4-BE49-F238E27FC236}">
-                <a16:creationId xmlns:a16="http://schemas.microsoft.com/office/drawing/2014/main" xmlns="" id="{FDF0467E-6D20-0DC6-C910-8E408D1D7586}"/>
+                <a16:creationId xmlns="" xmlns:a16="http://schemas.microsoft.com/office/drawing/2014/main" id="{FDF0467E-6D20-0DC6-C910-8E408D1D7586}"/>
               </a:ext>
             </a:extLst>
           </p:cNvPr>
@@ -20497,7 +20497,7 @@
           <p:cNvPr id="6" name="직사각형 5">
             <a:extLst>
               <a:ext uri="{FF2B5EF4-FFF2-40B4-BE49-F238E27FC236}">
-                <a16:creationId xmlns:a16="http://schemas.microsoft.com/office/drawing/2014/main" xmlns="" id="{4A3C9229-B484-36AA-2C48-E02CC4AB9F63}"/>
+                <a16:creationId xmlns="" xmlns:a16="http://schemas.microsoft.com/office/drawing/2014/main" id="{4A3C9229-B484-36AA-2C48-E02CC4AB9F63}"/>
               </a:ext>
             </a:extLst>
           </p:cNvPr>
@@ -20549,7 +20549,7 @@
           <p:cNvPr id="7" name="Rectangle 1">
             <a:extLst>
               <a:ext uri="{FF2B5EF4-FFF2-40B4-BE49-F238E27FC236}">
-                <a16:creationId xmlns:a16="http://schemas.microsoft.com/office/drawing/2014/main" xmlns="" id="{7D3AD777-6595-37FF-DFBB-49CEFBFF2424}"/>
+                <a16:creationId xmlns="" xmlns:a16="http://schemas.microsoft.com/office/drawing/2014/main" id="{7D3AD777-6595-37FF-DFBB-49CEFBFF2424}"/>
               </a:ext>
             </a:extLst>
           </p:cNvPr>
@@ -25957,7 +25957,7 @@
           <p:cNvPr id="8" name="TextBox 7">
             <a:extLst>
               <a:ext uri="{FF2B5EF4-FFF2-40B4-BE49-F238E27FC236}">
-                <a16:creationId xmlns:a16="http://schemas.microsoft.com/office/drawing/2014/main" xmlns="" id="{5B2C6045-1077-A4BF-E1DB-C556DDE3B063}"/>
+                <a16:creationId xmlns="" xmlns:a16="http://schemas.microsoft.com/office/drawing/2014/main" id="{5B2C6045-1077-A4BF-E1DB-C556DDE3B063}"/>
               </a:ext>
             </a:extLst>
           </p:cNvPr>
@@ -26027,7 +26027,7 @@
           <p:cNvPr id="5" name="그림 4">
             <a:extLst>
               <a:ext uri="{FF2B5EF4-FFF2-40B4-BE49-F238E27FC236}">
-                <a16:creationId xmlns:a16="http://schemas.microsoft.com/office/drawing/2014/main" xmlns="" id="{B42375D4-585A-9697-A1B2-6099B00B9D72}"/>
+                <a16:creationId xmlns="" xmlns:a16="http://schemas.microsoft.com/office/drawing/2014/main" id="{B42375D4-585A-9697-A1B2-6099B00B9D72}"/>
               </a:ext>
             </a:extLst>
           </p:cNvPr>
@@ -26087,7 +26087,7 @@
           <p:cNvPr id="4" name="그림 3">
             <a:extLst>
               <a:ext uri="{FF2B5EF4-FFF2-40B4-BE49-F238E27FC236}">
-                <a16:creationId xmlns:a16="http://schemas.microsoft.com/office/drawing/2014/main" xmlns="" id="{DB9C437C-005F-4E99-F38E-1DEE07F1B28F}"/>
+                <a16:creationId xmlns="" xmlns:a16="http://schemas.microsoft.com/office/drawing/2014/main" id="{DB9C437C-005F-4E99-F38E-1DEE07F1B28F}"/>
               </a:ext>
             </a:extLst>
           </p:cNvPr>
@@ -26117,7 +26117,7 @@
           <p:cNvPr id="5" name="직선 화살표 연결선 4">
             <a:extLst>
               <a:ext uri="{FF2B5EF4-FFF2-40B4-BE49-F238E27FC236}">
-                <a16:creationId xmlns:a16="http://schemas.microsoft.com/office/drawing/2014/main" xmlns="" id="{FDF0467E-6D20-0DC6-C910-8E408D1D7586}"/>
+                <a16:creationId xmlns="" xmlns:a16="http://schemas.microsoft.com/office/drawing/2014/main" id="{FDF0467E-6D20-0DC6-C910-8E408D1D7586}"/>
               </a:ext>
             </a:extLst>
           </p:cNvPr>
@@ -26161,7 +26161,7 @@
           <p:cNvPr id="6" name="직사각형 5">
             <a:extLst>
               <a:ext uri="{FF2B5EF4-FFF2-40B4-BE49-F238E27FC236}">
-                <a16:creationId xmlns:a16="http://schemas.microsoft.com/office/drawing/2014/main" xmlns="" id="{4A3C9229-B484-36AA-2C48-E02CC4AB9F63}"/>
+                <a16:creationId xmlns="" xmlns:a16="http://schemas.microsoft.com/office/drawing/2014/main" id="{4A3C9229-B484-36AA-2C48-E02CC4AB9F63}"/>
               </a:ext>
             </a:extLst>
           </p:cNvPr>
@@ -26213,7 +26213,7 @@
           <p:cNvPr id="2" name="Rectangle 1">
             <a:extLst>
               <a:ext uri="{FF2B5EF4-FFF2-40B4-BE49-F238E27FC236}">
-                <a16:creationId xmlns:a16="http://schemas.microsoft.com/office/drawing/2014/main" xmlns="" id="{42BE9BC2-6E0F-6A67-7665-F1A4731D7474}"/>
+                <a16:creationId xmlns="" xmlns:a16="http://schemas.microsoft.com/office/drawing/2014/main" id="{42BE9BC2-6E0F-6A67-7665-F1A4731D7474}"/>
               </a:ext>
             </a:extLst>
           </p:cNvPr>
@@ -28657,7 +28657,7 @@
           <p:cNvPr id="3" name="TextBox 2">
             <a:extLst>
               <a:ext uri="{FF2B5EF4-FFF2-40B4-BE49-F238E27FC236}">
-                <a16:creationId xmlns:a16="http://schemas.microsoft.com/office/drawing/2014/main" xmlns="" id="{C76E3AAD-45C6-EB76-9A53-48C4CEF2570F}"/>
+                <a16:creationId xmlns="" xmlns:a16="http://schemas.microsoft.com/office/drawing/2014/main" id="{C76E3AAD-45C6-EB76-9A53-48C4CEF2570F}"/>
               </a:ext>
             </a:extLst>
           </p:cNvPr>
@@ -28727,7 +28727,7 @@
           <p:cNvPr id="8" name="TextBox 7">
             <a:extLst>
               <a:ext uri="{FF2B5EF4-FFF2-40B4-BE49-F238E27FC236}">
-                <a16:creationId xmlns:a16="http://schemas.microsoft.com/office/drawing/2014/main" xmlns="" id="{98DB151B-8601-BA61-6BBE-BD3E3CFEF58F}"/>
+                <a16:creationId xmlns="" xmlns:a16="http://schemas.microsoft.com/office/drawing/2014/main" id="{98DB151B-8601-BA61-6BBE-BD3E3CFEF58F}"/>
               </a:ext>
             </a:extLst>
           </p:cNvPr>
@@ -28775,7 +28775,7 @@
           <p:cNvPr id="10" name="그림 9">
             <a:extLst>
               <a:ext uri="{FF2B5EF4-FFF2-40B4-BE49-F238E27FC236}">
-                <a16:creationId xmlns:a16="http://schemas.microsoft.com/office/drawing/2014/main" xmlns="" id="{788E741F-1E5F-AF84-901F-B38781682BCA}"/>
+                <a16:creationId xmlns="" xmlns:a16="http://schemas.microsoft.com/office/drawing/2014/main" id="{788E741F-1E5F-AF84-901F-B38781682BCA}"/>
               </a:ext>
             </a:extLst>
           </p:cNvPr>
@@ -28835,7 +28835,7 @@
           <p:cNvPr id="5" name="그림 4">
             <a:extLst>
               <a:ext uri="{FF2B5EF4-FFF2-40B4-BE49-F238E27FC236}">
-                <a16:creationId xmlns:a16="http://schemas.microsoft.com/office/drawing/2014/main" xmlns="" id="{BF09A84E-BAC6-6BDF-02D5-7EC84AEBC71D}"/>
+                <a16:creationId xmlns="" xmlns:a16="http://schemas.microsoft.com/office/drawing/2014/main" id="{BF09A84E-BAC6-6BDF-02D5-7EC84AEBC71D}"/>
               </a:ext>
             </a:extLst>
           </p:cNvPr>
@@ -28865,7 +28865,7 @@
           <p:cNvPr id="6" name="TextBox 5">
             <a:extLst>
               <a:ext uri="{FF2B5EF4-FFF2-40B4-BE49-F238E27FC236}">
-                <a16:creationId xmlns:a16="http://schemas.microsoft.com/office/drawing/2014/main" xmlns="" id="{5F6708EC-6DA7-2F2E-E6CC-5AE6BF4F3EBD}"/>
+                <a16:creationId xmlns="" xmlns:a16="http://schemas.microsoft.com/office/drawing/2014/main" id="{5F6708EC-6DA7-2F2E-E6CC-5AE6BF4F3EBD}"/>
               </a:ext>
             </a:extLst>
           </p:cNvPr>
@@ -28942,7 +28942,7 @@
           <p:cNvPr id="6" name="TextBox 5">
             <a:extLst>
               <a:ext uri="{FF2B5EF4-FFF2-40B4-BE49-F238E27FC236}">
-                <a16:creationId xmlns:a16="http://schemas.microsoft.com/office/drawing/2014/main" xmlns="" id="{5F6708EC-6DA7-2F2E-E6CC-5AE6BF4F3EBD}"/>
+                <a16:creationId xmlns="" xmlns:a16="http://schemas.microsoft.com/office/drawing/2014/main" id="{5F6708EC-6DA7-2F2E-E6CC-5AE6BF4F3EBD}"/>
               </a:ext>
             </a:extLst>
           </p:cNvPr>
@@ -28989,7 +28989,7 @@
           <p:cNvPr id="3" name="그림 2">
             <a:extLst>
               <a:ext uri="{FF2B5EF4-FFF2-40B4-BE49-F238E27FC236}">
-                <a16:creationId xmlns:a16="http://schemas.microsoft.com/office/drawing/2014/main" xmlns="" id="{631EFFCF-82B7-A9B7-DF01-FFD9DBFC7B6B}"/>
+                <a16:creationId xmlns="" xmlns:a16="http://schemas.microsoft.com/office/drawing/2014/main" id="{631EFFCF-82B7-A9B7-DF01-FFD9DBFC7B6B}"/>
               </a:ext>
             </a:extLst>
           </p:cNvPr>
@@ -29248,7 +29248,7 @@
           <p:cNvPr id="12" name="TextBox 11">
             <a:extLst>
               <a:ext uri="{FF2B5EF4-FFF2-40B4-BE49-F238E27FC236}">
-                <a16:creationId xmlns:a16="http://schemas.microsoft.com/office/drawing/2014/main" xmlns="" id="{C76E3AAD-45C6-EB76-9A53-48C4CEF2570F}"/>
+                <a16:creationId xmlns="" xmlns:a16="http://schemas.microsoft.com/office/drawing/2014/main" id="{C76E3AAD-45C6-EB76-9A53-48C4CEF2570F}"/>
               </a:ext>
             </a:extLst>
           </p:cNvPr>
@@ -29284,7 +29284,7 @@
           <p:cNvPr id="17" name="TextBox 16">
             <a:extLst>
               <a:ext uri="{FF2B5EF4-FFF2-40B4-BE49-F238E27FC236}">
-                <a16:creationId xmlns:a16="http://schemas.microsoft.com/office/drawing/2014/main" xmlns="" id="{C76E3AAD-45C6-EB76-9A53-48C4CEF2570F}"/>
+                <a16:creationId xmlns="" xmlns:a16="http://schemas.microsoft.com/office/drawing/2014/main" id="{C76E3AAD-45C6-EB76-9A53-48C4CEF2570F}"/>
               </a:ext>
             </a:extLst>
           </p:cNvPr>
@@ -29325,7 +29325,7 @@
           <p:cNvPr id="24" name="TextBox 23">
             <a:extLst>
               <a:ext uri="{FF2B5EF4-FFF2-40B4-BE49-F238E27FC236}">
-                <a16:creationId xmlns:a16="http://schemas.microsoft.com/office/drawing/2014/main" xmlns="" id="{C76E3AAD-45C6-EB76-9A53-48C4CEF2570F}"/>
+                <a16:creationId xmlns="" xmlns:a16="http://schemas.microsoft.com/office/drawing/2014/main" id="{C76E3AAD-45C6-EB76-9A53-48C4CEF2570F}"/>
               </a:ext>
             </a:extLst>
           </p:cNvPr>
@@ -29362,7 +29362,7 @@
           <p:cNvPr id="44" name="TextBox 43">
             <a:extLst>
               <a:ext uri="{FF2B5EF4-FFF2-40B4-BE49-F238E27FC236}">
-                <a16:creationId xmlns:a16="http://schemas.microsoft.com/office/drawing/2014/main" xmlns="" id="{C76E3AAD-45C6-EB76-9A53-48C4CEF2570F}"/>
+                <a16:creationId xmlns="" xmlns:a16="http://schemas.microsoft.com/office/drawing/2014/main" id="{C76E3AAD-45C6-EB76-9A53-48C4CEF2570F}"/>
               </a:ext>
             </a:extLst>
           </p:cNvPr>
@@ -29431,7 +29431,7 @@
           <p:cNvPr id="47" name="TextBox 46">
             <a:extLst>
               <a:ext uri="{FF2B5EF4-FFF2-40B4-BE49-F238E27FC236}">
-                <a16:creationId xmlns:a16="http://schemas.microsoft.com/office/drawing/2014/main" xmlns="" id="{C76E3AAD-45C6-EB76-9A53-48C4CEF2570F}"/>
+                <a16:creationId xmlns="" xmlns:a16="http://schemas.microsoft.com/office/drawing/2014/main" id="{C76E3AAD-45C6-EB76-9A53-48C4CEF2570F}"/>
               </a:ext>
             </a:extLst>
           </p:cNvPr>
@@ -29503,7 +29503,7 @@
           <p:cNvPr id="59" name="TextBox 58">
             <a:extLst>
               <a:ext uri="{FF2B5EF4-FFF2-40B4-BE49-F238E27FC236}">
-                <a16:creationId xmlns:a16="http://schemas.microsoft.com/office/drawing/2014/main" xmlns="" id="{C76E3AAD-45C6-EB76-9A53-48C4CEF2570F}"/>
+                <a16:creationId xmlns="" xmlns:a16="http://schemas.microsoft.com/office/drawing/2014/main" id="{C76E3AAD-45C6-EB76-9A53-48C4CEF2570F}"/>
               </a:ext>
             </a:extLst>
           </p:cNvPr>
@@ -29538,7 +29538,7 @@
           <p:cNvPr id="30" name="TextBox 29">
             <a:extLst>
               <a:ext uri="{FF2B5EF4-FFF2-40B4-BE49-F238E27FC236}">
-                <a16:creationId xmlns:a16="http://schemas.microsoft.com/office/drawing/2014/main" xmlns="" id="{C76E3AAD-45C6-EB76-9A53-48C4CEF2570F}"/>
+                <a16:creationId xmlns="" xmlns:a16="http://schemas.microsoft.com/office/drawing/2014/main" id="{C76E3AAD-45C6-EB76-9A53-48C4CEF2570F}"/>
               </a:ext>
             </a:extLst>
           </p:cNvPr>
@@ -30216,10 +30216,10 @@
         </p:nvGrpSpPr>
         <p:grpSpPr>
           <a:xfrm>
-            <a:off x="4410482" y="5205021"/>
-            <a:ext cx="1121339" cy="1271979"/>
-            <a:chOff x="3734178" y="5205021"/>
-            <a:chExt cx="1121339" cy="1271979"/>
+            <a:off x="4408984" y="5205021"/>
+            <a:ext cx="1122837" cy="1271979"/>
+            <a:chOff x="3732680" y="5205021"/>
+            <a:chExt cx="1122837" cy="1271979"/>
           </a:xfrm>
         </p:grpSpPr>
         <p:grpSp>
@@ -30230,10 +30230,10 @@
           </p:nvGrpSpPr>
           <p:grpSpPr>
             <a:xfrm>
-              <a:off x="3734178" y="5205021"/>
-              <a:ext cx="1121339" cy="1271979"/>
-              <a:chOff x="3734178" y="5064384"/>
-              <a:chExt cx="1121339" cy="1100425"/>
+              <a:off x="3732680" y="5205021"/>
+              <a:ext cx="1122837" cy="1271979"/>
+              <a:chOff x="3732680" y="5064384"/>
+              <a:chExt cx="1122837" cy="1100425"/>
             </a:xfrm>
           </p:grpSpPr>
           <p:sp>
@@ -30325,15 +30325,12 @@
           <p:cxnSp>
             <p:nvCxnSpPr>
               <p:cNvPr id="10" name="직선 연결선 9"/>
-              <p:cNvCxnSpPr>
-                <a:stCxn id="7" idx="2"/>
-                <a:endCxn id="43" idx="2"/>
-              </p:cNvCxnSpPr>
+              <p:cNvCxnSpPr/>
               <p:nvPr/>
             </p:nvCxnSpPr>
             <p:spPr>
               <a:xfrm>
-                <a:off x="3734178" y="5269172"/>
+                <a:off x="3732680" y="5269172"/>
                 <a:ext cx="0" cy="690850"/>
               </a:xfrm>
               <a:prstGeom prst="line">
@@ -30363,7 +30360,7 @@
             </p:nvCxnSpPr>
             <p:spPr>
               <a:xfrm>
-                <a:off x="4846370" y="5269172"/>
+                <a:off x="4855517" y="5269172"/>
                 <a:ext cx="0" cy="690850"/>
               </a:xfrm>
               <a:prstGeom prst="line">
@@ -30391,7 +30388,7 @@
             <p:cNvPr id="49" name="TextBox 48">
               <a:extLst>
                 <a:ext uri="{FF2B5EF4-FFF2-40B4-BE49-F238E27FC236}">
-                  <a16:creationId xmlns:a16="http://schemas.microsoft.com/office/drawing/2014/main" xmlns="" id="{C76E3AAD-45C6-EB76-9A53-48C4CEF2570F}"/>
+                  <a16:creationId xmlns="" xmlns:a16="http://schemas.microsoft.com/office/drawing/2014/main" id="{C76E3AAD-45C6-EB76-9A53-48C4CEF2570F}"/>
                 </a:ext>
               </a:extLst>
             </p:cNvPr>
@@ -30400,8 +30397,8 @@
           </p:nvSpPr>
           <p:spPr>
             <a:xfrm>
-              <a:off x="3796082" y="5634241"/>
-              <a:ext cx="1050288" cy="369332"/>
+              <a:off x="4031229" y="5656345"/>
+              <a:ext cx="518091" cy="369332"/>
             </a:xfrm>
             <a:prstGeom prst="rect">
               <a:avLst/>
@@ -30415,8 +30412,8 @@
             <a:lstStyle/>
             <a:p>
               <a:r>
-                <a:rPr lang="en-US" altLang="ko-KR" dirty="0" err="1"/>
-                <a:t>Log.json</a:t>
+                <a:rPr lang="en-US" altLang="ko-KR" dirty="0" smtClean="0"/>
+                <a:t>log</a:t>
               </a:r>
               <a:endParaRPr lang="ko-KR" altLang="en-US" dirty="0"/>
             </a:p>
@@ -31197,7 +31194,7 @@
           <p:cNvPr id="29" name="사각형: 둥근 모서리 28">
             <a:extLst>
               <a:ext uri="{FF2B5EF4-FFF2-40B4-BE49-F238E27FC236}">
-                <a16:creationId xmlns:a16="http://schemas.microsoft.com/office/drawing/2014/main" xmlns="" id="{B3822D50-9B76-A18F-FE7F-5592FB3298AC}"/>
+                <a16:creationId xmlns="" xmlns:a16="http://schemas.microsoft.com/office/drawing/2014/main" id="{B3822D50-9B76-A18F-FE7F-5592FB3298AC}"/>
               </a:ext>
             </a:extLst>
           </p:cNvPr>
@@ -31255,7 +31252,7 @@
           <p:cNvPr id="70" name="사각형: 둥근 모서리 69">
             <a:extLst>
               <a:ext uri="{FF2B5EF4-FFF2-40B4-BE49-F238E27FC236}">
-                <a16:creationId xmlns:a16="http://schemas.microsoft.com/office/drawing/2014/main" xmlns="" id="{F1000F18-311B-F47B-8A0C-3C9EB6803D77}"/>
+                <a16:creationId xmlns="" xmlns:a16="http://schemas.microsoft.com/office/drawing/2014/main" id="{F1000F18-311B-F47B-8A0C-3C9EB6803D77}"/>
               </a:ext>
             </a:extLst>
           </p:cNvPr>
@@ -31313,7 +31310,7 @@
           <p:cNvPr id="21" name="TextBox 20">
             <a:extLst>
               <a:ext uri="{FF2B5EF4-FFF2-40B4-BE49-F238E27FC236}">
-                <a16:creationId xmlns:a16="http://schemas.microsoft.com/office/drawing/2014/main" xmlns="" id="{0055AAB4-36E2-B60A-40C7-77AC38100932}"/>
+                <a16:creationId xmlns="" xmlns:a16="http://schemas.microsoft.com/office/drawing/2014/main" id="{0055AAB4-36E2-B60A-40C7-77AC38100932}"/>
               </a:ext>
             </a:extLst>
           </p:cNvPr>
@@ -31364,7 +31361,7 @@
           <p:cNvPr id="22" name="TextBox 21">
             <a:extLst>
               <a:ext uri="{FF2B5EF4-FFF2-40B4-BE49-F238E27FC236}">
-                <a16:creationId xmlns:a16="http://schemas.microsoft.com/office/drawing/2014/main" xmlns="" id="{08AFCAC3-C8F5-748A-B9CA-B01E01747540}"/>
+                <a16:creationId xmlns="" xmlns:a16="http://schemas.microsoft.com/office/drawing/2014/main" id="{08AFCAC3-C8F5-748A-B9CA-B01E01747540}"/>
               </a:ext>
             </a:extLst>
           </p:cNvPr>
@@ -31415,7 +31412,7 @@
           <p:cNvPr id="27" name="TextBox 26">
             <a:extLst>
               <a:ext uri="{FF2B5EF4-FFF2-40B4-BE49-F238E27FC236}">
-                <a16:creationId xmlns:a16="http://schemas.microsoft.com/office/drawing/2014/main" xmlns="" id="{F10533A2-E24C-9562-E30B-C803BB6884CB}"/>
+                <a16:creationId xmlns="" xmlns:a16="http://schemas.microsoft.com/office/drawing/2014/main" id="{F10533A2-E24C-9562-E30B-C803BB6884CB}"/>
               </a:ext>
             </a:extLst>
           </p:cNvPr>
@@ -31466,7 +31463,7 @@
           <p:cNvPr id="76" name="그룹 75">
             <a:extLst>
               <a:ext uri="{FF2B5EF4-FFF2-40B4-BE49-F238E27FC236}">
-                <a16:creationId xmlns:a16="http://schemas.microsoft.com/office/drawing/2014/main" xmlns="" id="{313D5DC3-9884-62D1-5A48-ADCCCFF4B822}"/>
+                <a16:creationId xmlns="" xmlns:a16="http://schemas.microsoft.com/office/drawing/2014/main" id="{313D5DC3-9884-62D1-5A48-ADCCCFF4B822}"/>
               </a:ext>
             </a:extLst>
           </p:cNvPr>
@@ -31486,7 +31483,7 @@
             <p:cNvPr id="78" name="TextBox 77">
               <a:extLst>
                 <a:ext uri="{FF2B5EF4-FFF2-40B4-BE49-F238E27FC236}">
-                  <a16:creationId xmlns:a16="http://schemas.microsoft.com/office/drawing/2014/main" xmlns="" id="{F9C4339C-03F6-6FD0-3937-E39C4602C1A4}"/>
+                  <a16:creationId xmlns="" xmlns:a16="http://schemas.microsoft.com/office/drawing/2014/main" id="{F9C4339C-03F6-6FD0-3937-E39C4602C1A4}"/>
                 </a:ext>
               </a:extLst>
             </p:cNvPr>
@@ -31537,7 +31534,7 @@
             <p:cNvPr id="79" name="TextBox 78">
               <a:extLst>
                 <a:ext uri="{FF2B5EF4-FFF2-40B4-BE49-F238E27FC236}">
-                  <a16:creationId xmlns:a16="http://schemas.microsoft.com/office/drawing/2014/main" xmlns="" id="{8E33C58C-1036-88C4-895B-788879DB1BA9}"/>
+                  <a16:creationId xmlns="" xmlns:a16="http://schemas.microsoft.com/office/drawing/2014/main" id="{8E33C58C-1036-88C4-895B-788879DB1BA9}"/>
                 </a:ext>
               </a:extLst>
             </p:cNvPr>
@@ -31588,7 +31585,7 @@
             <p:cNvPr id="80" name="TextBox 79">
               <a:extLst>
                 <a:ext uri="{FF2B5EF4-FFF2-40B4-BE49-F238E27FC236}">
-                  <a16:creationId xmlns:a16="http://schemas.microsoft.com/office/drawing/2014/main" xmlns="" id="{302DA6BE-206C-D7FD-5556-422A58CA62FA}"/>
+                  <a16:creationId xmlns="" xmlns:a16="http://schemas.microsoft.com/office/drawing/2014/main" id="{302DA6BE-206C-D7FD-5556-422A58CA62FA}"/>
                 </a:ext>
               </a:extLst>
             </p:cNvPr>
@@ -31640,7 +31637,7 @@
           <p:cNvPr id="88" name="직선 화살표 연결선 87">
             <a:extLst>
               <a:ext uri="{FF2B5EF4-FFF2-40B4-BE49-F238E27FC236}">
-                <a16:creationId xmlns:a16="http://schemas.microsoft.com/office/drawing/2014/main" xmlns="" id="{587E6539-65E7-C097-B52A-809CE148FC08}"/>
+                <a16:creationId xmlns="" xmlns:a16="http://schemas.microsoft.com/office/drawing/2014/main" id="{587E6539-65E7-C097-B52A-809CE148FC08}"/>
               </a:ext>
             </a:extLst>
           </p:cNvPr>
@@ -31685,7 +31682,7 @@
           <p:cNvPr id="89" name="직선 화살표 연결선 88">
             <a:extLst>
               <a:ext uri="{FF2B5EF4-FFF2-40B4-BE49-F238E27FC236}">
-                <a16:creationId xmlns:a16="http://schemas.microsoft.com/office/drawing/2014/main" xmlns="" id="{B45276A8-B898-E9F3-A0D8-D701BB2C75D9}"/>
+                <a16:creationId xmlns="" xmlns:a16="http://schemas.microsoft.com/office/drawing/2014/main" id="{B45276A8-B898-E9F3-A0D8-D701BB2C75D9}"/>
               </a:ext>
             </a:extLst>
           </p:cNvPr>
@@ -31731,7 +31728,7 @@
           <p:cNvPr id="95" name="직선 화살표 연결선 94">
             <a:extLst>
               <a:ext uri="{FF2B5EF4-FFF2-40B4-BE49-F238E27FC236}">
-                <a16:creationId xmlns:a16="http://schemas.microsoft.com/office/drawing/2014/main" xmlns="" id="{EDE893D4-D084-9D36-150C-AD9D513C33E4}"/>
+                <a16:creationId xmlns="" xmlns:a16="http://schemas.microsoft.com/office/drawing/2014/main" id="{EDE893D4-D084-9D36-150C-AD9D513C33E4}"/>
               </a:ext>
             </a:extLst>
           </p:cNvPr>
@@ -32090,7 +32087,7 @@
           <p:cNvPr id="3" name="그림 2">
             <a:extLst>
               <a:ext uri="{FF2B5EF4-FFF2-40B4-BE49-F238E27FC236}">
-                <a16:creationId xmlns:a16="http://schemas.microsoft.com/office/drawing/2014/main" xmlns="" id="{69A0FE62-C1F9-90B4-3CDD-748E410C75E4}"/>
+                <a16:creationId xmlns="" xmlns:a16="http://schemas.microsoft.com/office/drawing/2014/main" id="{69A0FE62-C1F9-90B4-3CDD-748E410C75E4}"/>
               </a:ext>
             </a:extLst>
           </p:cNvPr>
@@ -32150,7 +32147,7 @@
           <p:cNvPr id="5" name="그림 4">
             <a:extLst>
               <a:ext uri="{FF2B5EF4-FFF2-40B4-BE49-F238E27FC236}">
-                <a16:creationId xmlns:a16="http://schemas.microsoft.com/office/drawing/2014/main" xmlns="" id="{551183ED-E731-731E-3050-580A0EBFD8E7}"/>
+                <a16:creationId xmlns="" xmlns:a16="http://schemas.microsoft.com/office/drawing/2014/main" id="{551183ED-E731-731E-3050-580A0EBFD8E7}"/>
               </a:ext>
             </a:extLst>
           </p:cNvPr>
@@ -32210,7 +32207,7 @@
           <p:cNvPr id="5" name="그림 4">
             <a:extLst>
               <a:ext uri="{FF2B5EF4-FFF2-40B4-BE49-F238E27FC236}">
-                <a16:creationId xmlns:a16="http://schemas.microsoft.com/office/drawing/2014/main" xmlns="" id="{42E70543-39BB-17B9-DDDD-404000CB9242}"/>
+                <a16:creationId xmlns="" xmlns:a16="http://schemas.microsoft.com/office/drawing/2014/main" id="{42E70543-39BB-17B9-DDDD-404000CB9242}"/>
               </a:ext>
             </a:extLst>
           </p:cNvPr>
@@ -32270,7 +32267,7 @@
           <p:cNvPr id="5" name="그림 4">
             <a:extLst>
               <a:ext uri="{FF2B5EF4-FFF2-40B4-BE49-F238E27FC236}">
-                <a16:creationId xmlns:a16="http://schemas.microsoft.com/office/drawing/2014/main" xmlns="" id="{594BFACA-3CE7-B695-FB22-84B97705A9B2}"/>
+                <a16:creationId xmlns="" xmlns:a16="http://schemas.microsoft.com/office/drawing/2014/main" id="{594BFACA-3CE7-B695-FB22-84B97705A9B2}"/>
               </a:ext>
             </a:extLst>
           </p:cNvPr>
@@ -32330,7 +32327,7 @@
           <p:cNvPr id="3074" name="Picture 2">
             <a:extLst>
               <a:ext uri="{FF2B5EF4-FFF2-40B4-BE49-F238E27FC236}">
-                <a16:creationId xmlns:a16="http://schemas.microsoft.com/office/drawing/2014/main" xmlns="" id="{AFBE8905-3D24-07B9-2607-1F14FEEF1DA5}"/>
+                <a16:creationId xmlns="" xmlns:a16="http://schemas.microsoft.com/office/drawing/2014/main" id="{AFBE8905-3D24-07B9-2607-1F14FEEF1DA5}"/>
               </a:ext>
             </a:extLst>
           </p:cNvPr>
@@ -32407,7 +32404,7 @@
           <p:cNvPr id="5" name="그림 4">
             <a:extLst>
               <a:ext uri="{FF2B5EF4-FFF2-40B4-BE49-F238E27FC236}">
-                <a16:creationId xmlns:a16="http://schemas.microsoft.com/office/drawing/2014/main" xmlns="" id="{B435C393-F58D-6FEC-9D09-4ABB8DDCC0A6}"/>
+                <a16:creationId xmlns="" xmlns:a16="http://schemas.microsoft.com/office/drawing/2014/main" id="{B435C393-F58D-6FEC-9D09-4ABB8DDCC0A6}"/>
               </a:ext>
             </a:extLst>
           </p:cNvPr>
@@ -32437,7 +32434,7 @@
           <p:cNvPr id="6" name="직사각형 5">
             <a:extLst>
               <a:ext uri="{FF2B5EF4-FFF2-40B4-BE49-F238E27FC236}">
-                <a16:creationId xmlns:a16="http://schemas.microsoft.com/office/drawing/2014/main" xmlns="" id="{A1F37DC1-06D0-7BB1-FB12-C42D5756F5B6}"/>
+                <a16:creationId xmlns="" xmlns:a16="http://schemas.microsoft.com/office/drawing/2014/main" id="{A1F37DC1-06D0-7BB1-FB12-C42D5756F5B6}"/>
               </a:ext>
             </a:extLst>
           </p:cNvPr>
@@ -32489,7 +32486,7 @@
           <p:cNvPr id="7" name="그림 6">
             <a:extLst>
               <a:ext uri="{FF2B5EF4-FFF2-40B4-BE49-F238E27FC236}">
-                <a16:creationId xmlns:a16="http://schemas.microsoft.com/office/drawing/2014/main" xmlns="" id="{DA9BF5A1-5EF8-00E8-719E-51A51A162C36}"/>
+                <a16:creationId xmlns="" xmlns:a16="http://schemas.microsoft.com/office/drawing/2014/main" id="{DA9BF5A1-5EF8-00E8-719E-51A51A162C36}"/>
               </a:ext>
             </a:extLst>
           </p:cNvPr>
@@ -32518,7 +32515,7 @@
           <p:cNvPr id="10" name="Rectangle 1">
             <a:extLst>
               <a:ext uri="{FF2B5EF4-FFF2-40B4-BE49-F238E27FC236}">
-                <a16:creationId xmlns:a16="http://schemas.microsoft.com/office/drawing/2014/main" xmlns="" id="{63F12E2A-7B93-9D97-F8CE-734CF2D8FA06}"/>
+                <a16:creationId xmlns="" xmlns:a16="http://schemas.microsoft.com/office/drawing/2014/main" id="{63F12E2A-7B93-9D97-F8CE-734CF2D8FA06}"/>
               </a:ext>
             </a:extLst>
           </p:cNvPr>
@@ -34577,7 +34574,7 @@
           <p:cNvPr id="12" name="직선 화살표 연결선 11">
             <a:extLst>
               <a:ext uri="{FF2B5EF4-FFF2-40B4-BE49-F238E27FC236}">
-                <a16:creationId xmlns:a16="http://schemas.microsoft.com/office/drawing/2014/main" xmlns="" id="{BA403B85-B8BE-CD30-2192-B37D21154562}"/>
+                <a16:creationId xmlns="" xmlns:a16="http://schemas.microsoft.com/office/drawing/2014/main" id="{BA403B85-B8BE-CD30-2192-B37D21154562}"/>
               </a:ext>
             </a:extLst>
           </p:cNvPr>
@@ -34623,7 +34620,7 @@
           <p:cNvPr id="16" name="Rectangle 2">
             <a:extLst>
               <a:ext uri="{FF2B5EF4-FFF2-40B4-BE49-F238E27FC236}">
-                <a16:creationId xmlns:a16="http://schemas.microsoft.com/office/drawing/2014/main" xmlns="" id="{5D1B7231-90AC-9799-F90C-A9C94FEEE102}"/>
+                <a16:creationId xmlns="" xmlns:a16="http://schemas.microsoft.com/office/drawing/2014/main" id="{5D1B7231-90AC-9799-F90C-A9C94FEEE102}"/>
               </a:ext>
             </a:extLst>
           </p:cNvPr>
@@ -35965,7 +35962,7 @@
           <p:cNvPr id="17" name="직사각형 16">
             <a:extLst>
               <a:ext uri="{FF2B5EF4-FFF2-40B4-BE49-F238E27FC236}">
-                <a16:creationId xmlns:a16="http://schemas.microsoft.com/office/drawing/2014/main" xmlns="" id="{2692B42F-6BF3-9ED7-7F7E-912A29C3C3DC}"/>
+                <a16:creationId xmlns="" xmlns:a16="http://schemas.microsoft.com/office/drawing/2014/main" id="{2692B42F-6BF3-9ED7-7F7E-912A29C3C3DC}"/>
               </a:ext>
             </a:extLst>
           </p:cNvPr>
@@ -36017,7 +36014,7 @@
           <p:cNvPr id="18" name="직선 화살표 연결선 17">
             <a:extLst>
               <a:ext uri="{FF2B5EF4-FFF2-40B4-BE49-F238E27FC236}">
-                <a16:creationId xmlns:a16="http://schemas.microsoft.com/office/drawing/2014/main" xmlns="" id="{395ABF4D-D62E-3785-24BB-3B349084E487}"/>
+                <a16:creationId xmlns="" xmlns:a16="http://schemas.microsoft.com/office/drawing/2014/main" id="{395ABF4D-D62E-3785-24BB-3B349084E487}"/>
               </a:ext>
             </a:extLst>
           </p:cNvPr>
@@ -36063,7 +36060,7 @@
           <p:cNvPr id="23" name="TextBox 22">
             <a:extLst>
               <a:ext uri="{FF2B5EF4-FFF2-40B4-BE49-F238E27FC236}">
-                <a16:creationId xmlns:a16="http://schemas.microsoft.com/office/drawing/2014/main" xmlns="" id="{94397254-0D1C-BD87-A48F-3801999FF22D}"/>
+                <a16:creationId xmlns="" xmlns:a16="http://schemas.microsoft.com/office/drawing/2014/main" id="{94397254-0D1C-BD87-A48F-3801999FF22D}"/>
               </a:ext>
             </a:extLst>
           </p:cNvPr>
@@ -36099,7 +36096,7 @@
           <p:cNvPr id="26" name="TextBox 25">
             <a:extLst>
               <a:ext uri="{FF2B5EF4-FFF2-40B4-BE49-F238E27FC236}">
-                <a16:creationId xmlns:a16="http://schemas.microsoft.com/office/drawing/2014/main" xmlns="" id="{1A3B9546-E1D6-C28C-6A08-4BA9EEAC4C40}"/>
+                <a16:creationId xmlns="" xmlns:a16="http://schemas.microsoft.com/office/drawing/2014/main" id="{1A3B9546-E1D6-C28C-6A08-4BA9EEAC4C40}"/>
               </a:ext>
             </a:extLst>
           </p:cNvPr>
@@ -36165,7 +36162,7 @@
           <p:cNvPr id="12" name="직선 화살표 연결선 11">
             <a:extLst>
               <a:ext uri="{FF2B5EF4-FFF2-40B4-BE49-F238E27FC236}">
-                <a16:creationId xmlns:a16="http://schemas.microsoft.com/office/drawing/2014/main" xmlns="" id="{BA403B85-B8BE-CD30-2192-B37D21154562}"/>
+                <a16:creationId xmlns="" xmlns:a16="http://schemas.microsoft.com/office/drawing/2014/main" id="{BA403B85-B8BE-CD30-2192-B37D21154562}"/>
               </a:ext>
             </a:extLst>
           </p:cNvPr>
@@ -36211,7 +36208,7 @@
           <p:cNvPr id="18" name="직선 화살표 연결선 17">
             <a:extLst>
               <a:ext uri="{FF2B5EF4-FFF2-40B4-BE49-F238E27FC236}">
-                <a16:creationId xmlns:a16="http://schemas.microsoft.com/office/drawing/2014/main" xmlns="" id="{395ABF4D-D62E-3785-24BB-3B349084E487}"/>
+                <a16:creationId xmlns="" xmlns:a16="http://schemas.microsoft.com/office/drawing/2014/main" id="{395ABF4D-D62E-3785-24BB-3B349084E487}"/>
               </a:ext>
             </a:extLst>
           </p:cNvPr>
@@ -36257,7 +36254,7 @@
           <p:cNvPr id="32" name="그룹 31">
             <a:extLst>
               <a:ext uri="{FF2B5EF4-FFF2-40B4-BE49-F238E27FC236}">
-                <a16:creationId xmlns:a16="http://schemas.microsoft.com/office/drawing/2014/main" xmlns="" id="{42AB5303-885E-555E-9B34-3C2A208DB92B}"/>
+                <a16:creationId xmlns="" xmlns:a16="http://schemas.microsoft.com/office/drawing/2014/main" id="{42AB5303-885E-555E-9B34-3C2A208DB92B}"/>
               </a:ext>
             </a:extLst>
           </p:cNvPr>
@@ -36277,7 +36274,7 @@
             <p:cNvPr id="5" name="그림 4">
               <a:extLst>
                 <a:ext uri="{FF2B5EF4-FFF2-40B4-BE49-F238E27FC236}">
-                  <a16:creationId xmlns:a16="http://schemas.microsoft.com/office/drawing/2014/main" xmlns="" id="{B435C393-F58D-6FEC-9D09-4ABB8DDCC0A6}"/>
+                  <a16:creationId xmlns="" xmlns:a16="http://schemas.microsoft.com/office/drawing/2014/main" id="{B435C393-F58D-6FEC-9D09-4ABB8DDCC0A6}"/>
                 </a:ext>
               </a:extLst>
             </p:cNvPr>
@@ -36307,7 +36304,7 @@
             <p:cNvPr id="2" name="직사각형 1">
               <a:extLst>
                 <a:ext uri="{FF2B5EF4-FFF2-40B4-BE49-F238E27FC236}">
-                  <a16:creationId xmlns:a16="http://schemas.microsoft.com/office/drawing/2014/main" xmlns="" id="{D025AB9E-6CA2-8A78-674E-EF4FDE916827}"/>
+                  <a16:creationId xmlns="" xmlns:a16="http://schemas.microsoft.com/office/drawing/2014/main" id="{D025AB9E-6CA2-8A78-674E-EF4FDE916827}"/>
                 </a:ext>
               </a:extLst>
             </p:cNvPr>
@@ -36359,7 +36356,7 @@
             <p:cNvPr id="3" name="직사각형 2">
               <a:extLst>
                 <a:ext uri="{FF2B5EF4-FFF2-40B4-BE49-F238E27FC236}">
-                  <a16:creationId xmlns:a16="http://schemas.microsoft.com/office/drawing/2014/main" xmlns="" id="{3DF280BD-43D1-74D8-6D9C-72439FB22075}"/>
+                  <a16:creationId xmlns="" xmlns:a16="http://schemas.microsoft.com/office/drawing/2014/main" id="{3DF280BD-43D1-74D8-6D9C-72439FB22075}"/>
                 </a:ext>
               </a:extLst>
             </p:cNvPr>
@@ -36412,7 +36409,7 @@
           <p:cNvPr id="24" name="그룹 23">
             <a:extLst>
               <a:ext uri="{FF2B5EF4-FFF2-40B4-BE49-F238E27FC236}">
-                <a16:creationId xmlns:a16="http://schemas.microsoft.com/office/drawing/2014/main" xmlns="" id="{2DF99BF8-9EE3-7400-DBA5-54524BD0C7FF}"/>
+                <a16:creationId xmlns="" xmlns:a16="http://schemas.microsoft.com/office/drawing/2014/main" id="{2DF99BF8-9EE3-7400-DBA5-54524BD0C7FF}"/>
               </a:ext>
             </a:extLst>
           </p:cNvPr>
@@ -36432,7 +36429,7 @@
             <p:cNvPr id="23" name="TextBox 22">
               <a:extLst>
                 <a:ext uri="{FF2B5EF4-FFF2-40B4-BE49-F238E27FC236}">
-                  <a16:creationId xmlns:a16="http://schemas.microsoft.com/office/drawing/2014/main" xmlns="" id="{94397254-0D1C-BD87-A48F-3801999FF22D}"/>
+                  <a16:creationId xmlns="" xmlns:a16="http://schemas.microsoft.com/office/drawing/2014/main" id="{94397254-0D1C-BD87-A48F-3801999FF22D}"/>
                 </a:ext>
               </a:extLst>
             </p:cNvPr>
@@ -36468,7 +36465,7 @@
             <p:cNvPr id="26" name="TextBox 25">
               <a:extLst>
                 <a:ext uri="{FF2B5EF4-FFF2-40B4-BE49-F238E27FC236}">
-                  <a16:creationId xmlns:a16="http://schemas.microsoft.com/office/drawing/2014/main" xmlns="" id="{1A3B9546-E1D6-C28C-6A08-4BA9EEAC4C40}"/>
+                  <a16:creationId xmlns="" xmlns:a16="http://schemas.microsoft.com/office/drawing/2014/main" id="{1A3B9546-E1D6-C28C-6A08-4BA9EEAC4C40}"/>
                 </a:ext>
               </a:extLst>
             </p:cNvPr>
@@ -36504,7 +36501,7 @@
             <p:cNvPr id="9" name="Rectangle 1">
               <a:extLst>
                 <a:ext uri="{FF2B5EF4-FFF2-40B4-BE49-F238E27FC236}">
-                  <a16:creationId xmlns:a16="http://schemas.microsoft.com/office/drawing/2014/main" xmlns="" id="{6504859C-B73D-1F77-B6C3-B4227EE785FD}"/>
+                  <a16:creationId xmlns="" xmlns:a16="http://schemas.microsoft.com/office/drawing/2014/main" id="{6504859C-B73D-1F77-B6C3-B4227EE785FD}"/>
                 </a:ext>
               </a:extLst>
             </p:cNvPr>
@@ -37928,7 +37925,7 @@
             <p:cNvPr id="11" name="Rectangle 2">
               <a:extLst>
                 <a:ext uri="{FF2B5EF4-FFF2-40B4-BE49-F238E27FC236}">
-                  <a16:creationId xmlns:a16="http://schemas.microsoft.com/office/drawing/2014/main" xmlns="" id="{024C509A-B398-734F-2FE7-2D0699757C98}"/>
+                  <a16:creationId xmlns="" xmlns:a16="http://schemas.microsoft.com/office/drawing/2014/main" id="{024C509A-B398-734F-2FE7-2D0699757C98}"/>
                 </a:ext>
               </a:extLst>
             </p:cNvPr>
@@ -41578,7 +41575,7 @@
           <p:cNvPr id="19" name="그림 18">
             <a:extLst>
               <a:ext uri="{FF2B5EF4-FFF2-40B4-BE49-F238E27FC236}">
-                <a16:creationId xmlns:a16="http://schemas.microsoft.com/office/drawing/2014/main" xmlns="" id="{5AD8B5D0-99B9-07FD-4071-EDBC01D84F4D}"/>
+                <a16:creationId xmlns="" xmlns:a16="http://schemas.microsoft.com/office/drawing/2014/main" id="{5AD8B5D0-99B9-07FD-4071-EDBC01D84F4D}"/>
               </a:ext>
             </a:extLst>
           </p:cNvPr>
@@ -41608,7 +41605,7 @@
           <p:cNvPr id="29" name="그림 28">
             <a:extLst>
               <a:ext uri="{FF2B5EF4-FFF2-40B4-BE49-F238E27FC236}">
-                <a16:creationId xmlns:a16="http://schemas.microsoft.com/office/drawing/2014/main" xmlns="" id="{920FEC44-E4C7-33A8-584E-38901F059F4A}"/>
+                <a16:creationId xmlns="" xmlns:a16="http://schemas.microsoft.com/office/drawing/2014/main" id="{920FEC44-E4C7-33A8-584E-38901F059F4A}"/>
               </a:ext>
             </a:extLst>
           </p:cNvPr>
@@ -41638,7 +41635,7 @@
           <p:cNvPr id="30" name="화살표: 오른쪽 29">
             <a:extLst>
               <a:ext uri="{FF2B5EF4-FFF2-40B4-BE49-F238E27FC236}">
-                <a16:creationId xmlns:a16="http://schemas.microsoft.com/office/drawing/2014/main" xmlns="" id="{E7B7F9D3-F2CE-DE35-8238-BBB7B01F7C03}"/>
+                <a16:creationId xmlns="" xmlns:a16="http://schemas.microsoft.com/office/drawing/2014/main" id="{E7B7F9D3-F2CE-DE35-8238-BBB7B01F7C03}"/>
               </a:ext>
             </a:extLst>
           </p:cNvPr>
@@ -41684,7 +41681,7 @@
           <p:cNvPr id="31" name="TextBox 30">
             <a:extLst>
               <a:ext uri="{FF2B5EF4-FFF2-40B4-BE49-F238E27FC236}">
-                <a16:creationId xmlns:a16="http://schemas.microsoft.com/office/drawing/2014/main" xmlns="" id="{04E7C03C-A442-D573-70D8-2A96320BBC84}"/>
+                <a16:creationId xmlns="" xmlns:a16="http://schemas.microsoft.com/office/drawing/2014/main" id="{04E7C03C-A442-D573-70D8-2A96320BBC84}"/>
               </a:ext>
             </a:extLst>
           </p:cNvPr>
